--- a/MySQL整理/27主库出问题了，从库怎么办？.pptx
+++ b/MySQL整理/27主库出问题了，从库怎么办？.pptx
@@ -5,13 +5,14 @@
     <p:sldMasterId id="2147483678" r:id="rId1"/>
   </p:sldMasterIdLst>
   <p:notesMasterIdLst>
-    <p:notesMasterId r:id="rId6"/>
+    <p:notesMasterId r:id="rId7"/>
   </p:notesMasterIdLst>
   <p:sldIdLst>
     <p:sldId id="256" r:id="rId2"/>
     <p:sldId id="265" r:id="rId3"/>
     <p:sldId id="266" r:id="rId4"/>
-    <p:sldId id="267" r:id="rId5"/>
+    <p:sldId id="269" r:id="rId5"/>
+    <p:sldId id="267" r:id="rId6"/>
   </p:sldIdLst>
   <p:sldSz cx="12192000" cy="6858000"/>
   <p:notesSz cx="6858000" cy="9144000"/>
@@ -200,7 +201,7 @@
           <a:p>
             <a:fld id="{A900F2CD-AD8F-46FC-AAAB-A0D218D6826F}" type="datetimeFigureOut">
               <a:rPr lang="zh-CN" altLang="en-US" smtClean="0"/>
-              <a:t>2019/5/29</a:t>
+              <a:t>2021/4/20</a:t>
             </a:fld>
             <a:endParaRPr lang="zh-CN" altLang="en-US"/>
           </a:p>
@@ -710,6 +711,90 @@
     </p:spTree>
     <p:extLst>
       <p:ext uri="{BB962C8B-B14F-4D97-AF65-F5344CB8AC3E}">
+        <p14:creationId xmlns:p14="http://schemas.microsoft.com/office/powerpoint/2010/main" val="2830264466"/>
+      </p:ext>
+    </p:extLst>
+  </p:cSld>
+  <p:clrMapOvr>
+    <a:masterClrMapping/>
+  </p:clrMapOvr>
+</p:notes>
+</file>
+
+<file path=ppt/notesSlides/notesSlide4.xml><?xml version="1.0" encoding="utf-8"?>
+<p:notes xmlns:a="http://schemas.openxmlformats.org/drawingml/2006/main" xmlns:r="http://schemas.openxmlformats.org/officeDocument/2006/relationships" xmlns:p="http://schemas.openxmlformats.org/presentationml/2006/main">
+  <p:cSld>
+    <p:spTree>
+      <p:nvGrpSpPr>
+        <p:cNvPr id="1" name=""/>
+        <p:cNvGrpSpPr/>
+        <p:nvPr/>
+      </p:nvGrpSpPr>
+      <p:grpSpPr>
+        <a:xfrm>
+          <a:off x="0" y="0"/>
+          <a:ext cx="0" cy="0"/>
+          <a:chOff x="0" y="0"/>
+          <a:chExt cx="0" cy="0"/>
+        </a:xfrm>
+      </p:grpSpPr>
+      <p:sp>
+        <p:nvSpPr>
+          <p:cNvPr id="2" name="幻灯片图像占位符 1"/>
+          <p:cNvSpPr>
+            <a:spLocks noGrp="1" noRot="1" noChangeAspect="1"/>
+          </p:cNvSpPr>
+          <p:nvPr>
+            <p:ph type="sldImg"/>
+          </p:nvPr>
+        </p:nvSpPr>
+        <p:spPr/>
+      </p:sp>
+      <p:sp>
+        <p:nvSpPr>
+          <p:cNvPr id="3" name="备注占位符 2"/>
+          <p:cNvSpPr>
+            <a:spLocks noGrp="1"/>
+          </p:cNvSpPr>
+          <p:nvPr>
+            <p:ph type="body" idx="1"/>
+          </p:nvPr>
+        </p:nvSpPr>
+        <p:spPr/>
+        <p:txBody>
+          <a:bodyPr/>
+          <a:lstStyle/>
+          <a:p>
+            <a:endParaRPr lang="zh-CN" altLang="en-US" dirty="0"/>
+          </a:p>
+        </p:txBody>
+      </p:sp>
+      <p:sp>
+        <p:nvSpPr>
+          <p:cNvPr id="4" name="灯片编号占位符 3"/>
+          <p:cNvSpPr>
+            <a:spLocks noGrp="1"/>
+          </p:cNvSpPr>
+          <p:nvPr>
+            <p:ph type="sldNum" sz="quarter" idx="10"/>
+          </p:nvPr>
+        </p:nvSpPr>
+        <p:spPr/>
+        <p:txBody>
+          <a:bodyPr/>
+          <a:lstStyle/>
+          <a:p>
+            <a:fld id="{36BCCB51-EBEF-4070-8A6F-AD7BCDF80C49}" type="slidenum">
+              <a:rPr lang="zh-CN" altLang="en-US" smtClean="0"/>
+              <a:t>5</a:t>
+            </a:fld>
+            <a:endParaRPr lang="zh-CN" altLang="en-US"/>
+          </a:p>
+        </p:txBody>
+      </p:sp>
+    </p:spTree>
+    <p:extLst>
+      <p:ext uri="{BB962C8B-B14F-4D97-AF65-F5344CB8AC3E}">
         <p14:creationId xmlns:p14="http://schemas.microsoft.com/office/powerpoint/2010/main" val="205889635"/>
       </p:ext>
     </p:extLst>
@@ -906,7 +991,7 @@
           <a:p>
             <a:fld id="{E396512D-F96B-4538-B91A-F7EB57A489A0}" type="datetimeFigureOut">
               <a:rPr lang="zh-CN" altLang="en-US" smtClean="0"/>
-              <a:t>2019/5/29</a:t>
+              <a:t>2021/4/20</a:t>
             </a:fld>
             <a:endParaRPr lang="zh-CN" altLang="en-US"/>
           </a:p>
@@ -1181,7 +1266,7 @@
           <a:p>
             <a:fld id="{E396512D-F96B-4538-B91A-F7EB57A489A0}" type="datetimeFigureOut">
               <a:rPr lang="zh-CN" altLang="en-US" smtClean="0"/>
-              <a:t>2019/5/29</a:t>
+              <a:t>2021/4/20</a:t>
             </a:fld>
             <a:endParaRPr lang="zh-CN" altLang="en-US"/>
           </a:p>
@@ -1375,7 +1460,7 @@
           <a:p>
             <a:fld id="{E396512D-F96B-4538-B91A-F7EB57A489A0}" type="datetimeFigureOut">
               <a:rPr lang="zh-CN" altLang="en-US" smtClean="0"/>
-              <a:t>2019/5/29</a:t>
+              <a:t>2021/4/20</a:t>
             </a:fld>
             <a:endParaRPr lang="zh-CN" altLang="en-US"/>
           </a:p>
@@ -1648,7 +1733,7 @@
           <a:p>
             <a:fld id="{E396512D-F96B-4538-B91A-F7EB57A489A0}" type="datetimeFigureOut">
               <a:rPr lang="zh-CN" altLang="en-US" smtClean="0"/>
-              <a:t>2019/5/29</a:t>
+              <a:t>2021/4/20</a:t>
             </a:fld>
             <a:endParaRPr lang="zh-CN" altLang="en-US"/>
           </a:p>
@@ -1989,7 +2074,7 @@
           <a:p>
             <a:fld id="{E396512D-F96B-4538-B91A-F7EB57A489A0}" type="datetimeFigureOut">
               <a:rPr lang="zh-CN" altLang="en-US" smtClean="0"/>
-              <a:t>2019/5/29</a:t>
+              <a:t>2021/4/20</a:t>
             </a:fld>
             <a:endParaRPr lang="zh-CN" altLang="en-US"/>
           </a:p>
@@ -2612,7 +2697,7 @@
           <a:p>
             <a:fld id="{E396512D-F96B-4538-B91A-F7EB57A489A0}" type="datetimeFigureOut">
               <a:rPr lang="zh-CN" altLang="en-US" smtClean="0"/>
-              <a:t>2019/5/29</a:t>
+              <a:t>2021/4/20</a:t>
             </a:fld>
             <a:endParaRPr lang="zh-CN" altLang="en-US"/>
           </a:p>
@@ -3472,7 +3557,7 @@
           <a:p>
             <a:fld id="{E396512D-F96B-4538-B91A-F7EB57A489A0}" type="datetimeFigureOut">
               <a:rPr lang="zh-CN" altLang="en-US" smtClean="0"/>
-              <a:t>2019/5/29</a:t>
+              <a:t>2021/4/20</a:t>
             </a:fld>
             <a:endParaRPr lang="zh-CN" altLang="en-US"/>
           </a:p>
@@ -3642,7 +3727,7 @@
           <a:p>
             <a:fld id="{E396512D-F96B-4538-B91A-F7EB57A489A0}" type="datetimeFigureOut">
               <a:rPr lang="zh-CN" altLang="en-US" smtClean="0"/>
-              <a:t>2019/5/29</a:t>
+              <a:t>2021/4/20</a:t>
             </a:fld>
             <a:endParaRPr lang="zh-CN" altLang="en-US"/>
           </a:p>
@@ -3822,7 +3907,7 @@
           <a:p>
             <a:fld id="{E396512D-F96B-4538-B91A-F7EB57A489A0}" type="datetimeFigureOut">
               <a:rPr lang="zh-CN" altLang="en-US" smtClean="0"/>
-              <a:t>2019/5/29</a:t>
+              <a:t>2021/4/20</a:t>
             </a:fld>
             <a:endParaRPr lang="zh-CN" altLang="en-US"/>
           </a:p>
@@ -3992,7 +4077,7 @@
           <a:p>
             <a:fld id="{E396512D-F96B-4538-B91A-F7EB57A489A0}" type="datetimeFigureOut">
               <a:rPr lang="zh-CN" altLang="en-US" smtClean="0"/>
-              <a:t>2019/5/29</a:t>
+              <a:t>2021/4/20</a:t>
             </a:fld>
             <a:endParaRPr lang="zh-CN" altLang="en-US"/>
           </a:p>
@@ -4239,7 +4324,7 @@
           <a:p>
             <a:fld id="{E396512D-F96B-4538-B91A-F7EB57A489A0}" type="datetimeFigureOut">
               <a:rPr lang="zh-CN" altLang="en-US" smtClean="0"/>
-              <a:t>2019/5/29</a:t>
+              <a:t>2021/4/20</a:t>
             </a:fld>
             <a:endParaRPr lang="zh-CN" altLang="en-US"/>
           </a:p>
@@ -4531,7 +4616,7 @@
           <a:p>
             <a:fld id="{E396512D-F96B-4538-B91A-F7EB57A489A0}" type="datetimeFigureOut">
               <a:rPr lang="zh-CN" altLang="en-US" smtClean="0"/>
-              <a:t>2019/5/29</a:t>
+              <a:t>2021/4/20</a:t>
             </a:fld>
             <a:endParaRPr lang="zh-CN" altLang="en-US"/>
           </a:p>
@@ -4975,7 +5060,7 @@
           <a:p>
             <a:fld id="{E396512D-F96B-4538-B91A-F7EB57A489A0}" type="datetimeFigureOut">
               <a:rPr lang="zh-CN" altLang="en-US" smtClean="0"/>
-              <a:t>2019/5/29</a:t>
+              <a:t>2021/4/20</a:t>
             </a:fld>
             <a:endParaRPr lang="zh-CN" altLang="en-US"/>
           </a:p>
@@ -5093,7 +5178,7 @@
           <a:p>
             <a:fld id="{E396512D-F96B-4538-B91A-F7EB57A489A0}" type="datetimeFigureOut">
               <a:rPr lang="zh-CN" altLang="en-US" smtClean="0"/>
-              <a:t>2019/5/29</a:t>
+              <a:t>2021/4/20</a:t>
             </a:fld>
             <a:endParaRPr lang="zh-CN" altLang="en-US"/>
           </a:p>
@@ -5188,7 +5273,7 @@
           <a:p>
             <a:fld id="{E396512D-F96B-4538-B91A-F7EB57A489A0}" type="datetimeFigureOut">
               <a:rPr lang="zh-CN" altLang="en-US" smtClean="0"/>
-              <a:t>2019/5/29</a:t>
+              <a:t>2021/4/20</a:t>
             </a:fld>
             <a:endParaRPr lang="zh-CN" altLang="en-US"/>
           </a:p>
@@ -5467,7 +5552,7 @@
           <a:p>
             <a:fld id="{E396512D-F96B-4538-B91A-F7EB57A489A0}" type="datetimeFigureOut">
               <a:rPr lang="zh-CN" altLang="en-US" smtClean="0"/>
-              <a:t>2019/5/29</a:t>
+              <a:t>2021/4/20</a:t>
             </a:fld>
             <a:endParaRPr lang="zh-CN" altLang="en-US"/>
           </a:p>
@@ -5742,7 +5827,7 @@
           <a:p>
             <a:fld id="{E396512D-F96B-4538-B91A-F7EB57A489A0}" type="datetimeFigureOut">
               <a:rPr lang="zh-CN" altLang="en-US" smtClean="0"/>
-              <a:t>2019/5/29</a:t>
+              <a:t>2021/4/20</a:t>
             </a:fld>
             <a:endParaRPr lang="zh-CN" altLang="en-US"/>
           </a:p>
@@ -6171,7 +6256,7 @@
           <a:p>
             <a:fld id="{E396512D-F96B-4538-B91A-F7EB57A489A0}" type="datetimeFigureOut">
               <a:rPr lang="zh-CN" altLang="en-US" smtClean="0"/>
-              <a:t>2019/5/29</a:t>
+              <a:t>2021/4/20</a:t>
             </a:fld>
             <a:endParaRPr lang="zh-CN" altLang="en-US"/>
           </a:p>
@@ -6733,10 +6818,6 @@
               </a:rPr>
               <a:t>主库出问题了，从库怎么办？</a:t>
             </a:r>
-            <a:endParaRPr lang="zh-CN" altLang="en-US" sz="3200" b="1" dirty="0">
-              <a:latin typeface="微软雅黑" panose="020B0503020204020204" pitchFamily="34" charset="-122"/>
-              <a:ea typeface="微软雅黑" panose="020B0503020204020204" pitchFamily="34" charset="-122"/>
-            </a:endParaRPr>
           </a:p>
         </p:txBody>
       </p:sp>
@@ -7066,10 +7147,6 @@
               </a:rPr>
               <a:t>主库出问题了，从库怎么办？</a:t>
             </a:r>
-            <a:endParaRPr lang="zh-CN" altLang="en-US" sz="3200" b="1" dirty="0">
-              <a:latin typeface="微软雅黑" panose="020B0503020204020204" pitchFamily="34" charset="-122"/>
-              <a:ea typeface="微软雅黑" panose="020B0503020204020204" pitchFamily="34" charset="-122"/>
-            </a:endParaRPr>
           </a:p>
         </p:txBody>
       </p:sp>
@@ -7807,10 +7884,6 @@
               </a:rPr>
               <a:t>主库出问题了，从库怎么办？</a:t>
             </a:r>
-            <a:endParaRPr lang="zh-CN" altLang="en-US" sz="3200" b="1" dirty="0">
-              <a:latin typeface="微软雅黑" panose="020B0503020204020204" pitchFamily="34" charset="-122"/>
-              <a:ea typeface="微软雅黑" panose="020B0503020204020204" pitchFamily="34" charset="-122"/>
-            </a:endParaRPr>
           </a:p>
         </p:txBody>
       </p:sp>
@@ -7823,7 +7896,7 @@
         <p:spPr>
           <a:xfrm>
             <a:off x="114300" y="842111"/>
-            <a:ext cx="2375843" cy="369332"/>
+            <a:ext cx="4521366" cy="369332"/>
           </a:xfrm>
           <a:prstGeom prst="rect">
             <a:avLst/>
@@ -7852,7 +7925,7 @@
               <a:defRPr/>
             </a:pPr>
             <a:r>
-              <a:rPr lang="zh-CN" altLang="en-US" b="1" dirty="0" smtClean="0">
+              <a:rPr lang="en-US" altLang="zh-CN" b="1" smtClean="0">
                 <a:ln/>
                 <a:solidFill>
                   <a:srgbClr val="4FD1FF"/>
@@ -7860,10 +7933,10 @@
                 <a:latin typeface="微软雅黑" panose="020B0503020204020204" pitchFamily="34" charset="-122"/>
                 <a:ea typeface="微软雅黑" panose="020B0503020204020204" pitchFamily="34" charset="-122"/>
               </a:rPr>
-              <a:t>基于</a:t>
-            </a:r>
-            <a:r>
-              <a:rPr lang="en-US" altLang="zh-CN" b="1" dirty="0" smtClean="0">
+              <a:t>GTID</a:t>
+            </a:r>
+            <a:r>
+              <a:rPr lang="zh-CN" altLang="en-US" b="1" smtClean="0">
                 <a:ln/>
                 <a:solidFill>
                   <a:srgbClr val="4FD1FF"/>
@@ -7871,10 +7944,10 @@
                 <a:latin typeface="微软雅黑" panose="020B0503020204020204" pitchFamily="34" charset="-122"/>
                 <a:ea typeface="微软雅黑" panose="020B0503020204020204" pitchFamily="34" charset="-122"/>
               </a:rPr>
-              <a:t>GTID</a:t>
-            </a:r>
-            <a:r>
-              <a:rPr lang="zh-CN" altLang="en-US" b="1" dirty="0" smtClean="0">
+              <a:t>（</a:t>
+            </a:r>
+            <a:r>
+              <a:rPr lang="en-US" altLang="zh-CN" b="1">
                 <a:ln/>
                 <a:solidFill>
                   <a:srgbClr val="4FD1FF"/>
@@ -7882,7 +7955,29 @@
                 <a:latin typeface="微软雅黑" panose="020B0503020204020204" pitchFamily="34" charset="-122"/>
                 <a:ea typeface="微软雅黑" panose="020B0503020204020204" pitchFamily="34" charset="-122"/>
               </a:rPr>
-              <a:t>的主备切换</a:t>
+              <a:t>Global Transaction </a:t>
+            </a:r>
+            <a:r>
+              <a:rPr lang="en-US" altLang="zh-CN" b="1">
+                <a:ln/>
+                <a:solidFill>
+                  <a:srgbClr val="4FD1FF"/>
+                </a:solidFill>
+                <a:latin typeface="微软雅黑" panose="020B0503020204020204" pitchFamily="34" charset="-122"/>
+                <a:ea typeface="微软雅黑" panose="020B0503020204020204" pitchFamily="34" charset="-122"/>
+              </a:rPr>
+              <a:t>Identifier</a:t>
+            </a:r>
+            <a:r>
+              <a:rPr lang="zh-CN" altLang="en-US" b="1" smtClean="0">
+                <a:ln/>
+                <a:solidFill>
+                  <a:srgbClr val="4FD1FF"/>
+                </a:solidFill>
+                <a:latin typeface="微软雅黑" panose="020B0503020204020204" pitchFamily="34" charset="-122"/>
+                <a:ea typeface="微软雅黑" panose="020B0503020204020204" pitchFamily="34" charset="-122"/>
+              </a:rPr>
+              <a:t>）</a:t>
             </a:r>
             <a:endParaRPr lang="en-US" altLang="zh-CN" b="1" dirty="0" smtClean="0">
               <a:ln/>
@@ -7958,72 +8053,101 @@
             <a:r>
               <a:rPr lang="en-US" altLang="zh-CN" sz="1200" dirty="0" smtClean="0">
                 <a:solidFill>
+                  <a:srgbClr val="FFFF00"/>
+                </a:solidFill>
+                <a:latin typeface="微软雅黑" panose="020B0503020204020204" pitchFamily="34" charset="-122"/>
+                <a:ea typeface="微软雅黑" panose="020B0503020204020204" pitchFamily="34" charset="-122"/>
+              </a:rPr>
+              <a:t>GTID=</a:t>
+            </a:r>
+            <a:r>
+              <a:rPr lang="en-US" altLang="zh-CN" sz="1200" dirty="0" err="1" smtClean="0">
+                <a:solidFill>
+                  <a:srgbClr val="FFFF00"/>
+                </a:solidFill>
+                <a:latin typeface="微软雅黑" panose="020B0503020204020204" pitchFamily="34" charset="-122"/>
+                <a:ea typeface="微软雅黑" panose="020B0503020204020204" pitchFamily="34" charset="-122"/>
+              </a:rPr>
+              <a:t>server_uuid:gno</a:t>
+            </a:r>
+            <a:r>
+              <a:rPr lang="zh-CN" altLang="en-US" sz="1200" dirty="0" smtClean="0">
+                <a:solidFill>
+                  <a:srgbClr val="FFFF00"/>
+                </a:solidFill>
+                <a:latin typeface="微软雅黑" panose="020B0503020204020204" pitchFamily="34" charset="-122"/>
+                <a:ea typeface="微软雅黑" panose="020B0503020204020204" pitchFamily="34" charset="-122"/>
+              </a:rPr>
+              <a:t>（</a:t>
+            </a:r>
+            <a:r>
+              <a:rPr lang="en-US" altLang="zh-CN" sz="1200" dirty="0" smtClean="0">
+                <a:solidFill>
+                  <a:srgbClr val="FFFF00"/>
+                </a:solidFill>
+                <a:latin typeface="微软雅黑" panose="020B0503020204020204" pitchFamily="34" charset="-122"/>
+                <a:ea typeface="微软雅黑" panose="020B0503020204020204" pitchFamily="34" charset="-122"/>
+              </a:rPr>
+              <a:t>MySQL</a:t>
+            </a:r>
+            <a:r>
+              <a:rPr lang="zh-CN" altLang="en-US" sz="1200" dirty="0" smtClean="0">
+                <a:solidFill>
+                  <a:srgbClr val="FFFF00"/>
+                </a:solidFill>
+                <a:latin typeface="微软雅黑" panose="020B0503020204020204" pitchFamily="34" charset="-122"/>
+                <a:ea typeface="微软雅黑" panose="020B0503020204020204" pitchFamily="34" charset="-122"/>
+              </a:rPr>
+              <a:t>官方文档是：</a:t>
+            </a:r>
+            <a:r>
+              <a:rPr lang="en-US" altLang="zh-CN" sz="1200" dirty="0" err="1" smtClean="0">
+                <a:solidFill>
+                  <a:srgbClr val="FFFF00"/>
+                </a:solidFill>
+                <a:latin typeface="微软雅黑" panose="020B0503020204020204" pitchFamily="34" charset="-122"/>
+                <a:ea typeface="微软雅黑" panose="020B0503020204020204" pitchFamily="34" charset="-122"/>
+              </a:rPr>
+              <a:t>source_id:transaction_id</a:t>
+            </a:r>
+            <a:r>
+              <a:rPr lang="zh-CN" altLang="en-US" sz="1200" dirty="0" smtClean="0">
+                <a:solidFill>
+                  <a:srgbClr val="FFFF00"/>
+                </a:solidFill>
+                <a:latin typeface="微软雅黑" panose="020B0503020204020204" pitchFamily="34" charset="-122"/>
+                <a:ea typeface="微软雅黑" panose="020B0503020204020204" pitchFamily="34" charset="-122"/>
+              </a:rPr>
+              <a:t>）</a:t>
+            </a:r>
+            <a:endParaRPr lang="en-US" altLang="zh-CN" sz="1200" dirty="0" smtClean="0">
+              <a:solidFill>
+                <a:srgbClr val="FFFF00"/>
+              </a:solidFill>
+              <a:latin typeface="微软雅黑" panose="020B0503020204020204" pitchFamily="34" charset="-122"/>
+              <a:ea typeface="微软雅黑" panose="020B0503020204020204" pitchFamily="34" charset="-122"/>
+            </a:endParaRPr>
+          </a:p>
+          <a:p>
+            <a:r>
+              <a:rPr lang="en-US" altLang="zh-CN" sz="1200" dirty="0" err="1" smtClean="0">
+                <a:solidFill>
                   <a:srgbClr val="92D050"/>
                 </a:solidFill>
                 <a:latin typeface="微软雅黑" panose="020B0503020204020204" pitchFamily="34" charset="-122"/>
                 <a:ea typeface="微软雅黑" panose="020B0503020204020204" pitchFamily="34" charset="-122"/>
               </a:rPr>
-              <a:t>GTID=</a:t>
-            </a:r>
-            <a:r>
-              <a:rPr lang="en-US" altLang="zh-CN" sz="1200" dirty="0" err="1" smtClean="0">
+              <a:t>server_uuid</a:t>
+            </a:r>
+            <a:r>
+              <a:rPr lang="zh-CN" altLang="en-US" sz="1200" dirty="0" smtClean="0">
                 <a:solidFill>
                   <a:srgbClr val="92D050"/>
                 </a:solidFill>
                 <a:latin typeface="微软雅黑" panose="020B0503020204020204" pitchFamily="34" charset="-122"/>
                 <a:ea typeface="微软雅黑" panose="020B0503020204020204" pitchFamily="34" charset="-122"/>
               </a:rPr>
-              <a:t>server_uuid:gno</a:t>
-            </a:r>
-            <a:r>
-              <a:rPr lang="zh-CN" altLang="en-US" sz="1200" dirty="0" smtClean="0">
-                <a:solidFill>
-                  <a:srgbClr val="92D050"/>
-                </a:solidFill>
-                <a:latin typeface="微软雅黑" panose="020B0503020204020204" pitchFamily="34" charset="-122"/>
-                <a:ea typeface="微软雅黑" panose="020B0503020204020204" pitchFamily="34" charset="-122"/>
-              </a:rPr>
-              <a:t>（</a:t>
-            </a:r>
-            <a:r>
-              <a:rPr lang="en-US" altLang="zh-CN" sz="1200" dirty="0" smtClean="0">
-                <a:solidFill>
-                  <a:srgbClr val="92D050"/>
-                </a:solidFill>
-                <a:latin typeface="微软雅黑" panose="020B0503020204020204" pitchFamily="34" charset="-122"/>
-                <a:ea typeface="微软雅黑" panose="020B0503020204020204" pitchFamily="34" charset="-122"/>
-              </a:rPr>
-              <a:t>MySQL</a:t>
-            </a:r>
-            <a:r>
-              <a:rPr lang="zh-CN" altLang="en-US" sz="1200" dirty="0" smtClean="0">
-                <a:solidFill>
-                  <a:srgbClr val="92D050"/>
-                </a:solidFill>
-                <a:latin typeface="微软雅黑" panose="020B0503020204020204" pitchFamily="34" charset="-122"/>
-                <a:ea typeface="微软雅黑" panose="020B0503020204020204" pitchFamily="34" charset="-122"/>
-              </a:rPr>
-              <a:t>官方文档是：</a:t>
-            </a:r>
-            <a:r>
-              <a:rPr lang="en-US" altLang="zh-CN" sz="1200" dirty="0" err="1" smtClean="0">
-                <a:solidFill>
-                  <a:srgbClr val="92D050"/>
-                </a:solidFill>
-                <a:latin typeface="微软雅黑" panose="020B0503020204020204" pitchFamily="34" charset="-122"/>
-                <a:ea typeface="微软雅黑" panose="020B0503020204020204" pitchFamily="34" charset="-122"/>
-              </a:rPr>
-              <a:t>source_id:transaction_id</a:t>
-            </a:r>
-            <a:r>
-              <a:rPr lang="zh-CN" altLang="en-US" sz="1200" dirty="0" smtClean="0">
-                <a:solidFill>
-                  <a:srgbClr val="92D050"/>
-                </a:solidFill>
-                <a:latin typeface="微软雅黑" panose="020B0503020204020204" pitchFamily="34" charset="-122"/>
-                <a:ea typeface="微软雅黑" panose="020B0503020204020204" pitchFamily="34" charset="-122"/>
-              </a:rPr>
-              <a:t>）</a:t>
+              <a:t>是一个实例第一次启动时自动生成的，是全局唯一的值。</a:t>
             </a:r>
             <a:endParaRPr lang="en-US" altLang="zh-CN" sz="1200" dirty="0" smtClean="0">
               <a:solidFill>
@@ -8042,7 +8166,7 @@
                 <a:latin typeface="微软雅黑" panose="020B0503020204020204" pitchFamily="34" charset="-122"/>
                 <a:ea typeface="微软雅黑" panose="020B0503020204020204" pitchFamily="34" charset="-122"/>
               </a:rPr>
-              <a:t>server_uuid</a:t>
+              <a:t>gno</a:t>
             </a:r>
             <a:r>
               <a:rPr lang="zh-CN" altLang="en-US" sz="1200" dirty="0" smtClean="0">
@@ -8052,7 +8176,70 @@
                 <a:latin typeface="微软雅黑" panose="020B0503020204020204" pitchFamily="34" charset="-122"/>
                 <a:ea typeface="微软雅黑" panose="020B0503020204020204" pitchFamily="34" charset="-122"/>
               </a:rPr>
-              <a:t>是一个实例第一次启动时自动生成的，是全局唯一的值。</a:t>
+              <a:t>是一个整数，初始值为</a:t>
+            </a:r>
+            <a:r>
+              <a:rPr lang="en-US" altLang="zh-CN" sz="1200" dirty="0" smtClean="0">
+                <a:solidFill>
+                  <a:srgbClr val="92D050"/>
+                </a:solidFill>
+                <a:latin typeface="微软雅黑" panose="020B0503020204020204" pitchFamily="34" charset="-122"/>
+                <a:ea typeface="微软雅黑" panose="020B0503020204020204" pitchFamily="34" charset="-122"/>
+              </a:rPr>
+              <a:t>1</a:t>
+            </a:r>
+            <a:r>
+              <a:rPr lang="zh-CN" altLang="en-US" sz="1200" dirty="0" smtClean="0">
+                <a:solidFill>
+                  <a:srgbClr val="92D050"/>
+                </a:solidFill>
+                <a:latin typeface="微软雅黑" panose="020B0503020204020204" pitchFamily="34" charset="-122"/>
+                <a:ea typeface="微软雅黑" panose="020B0503020204020204" pitchFamily="34" charset="-122"/>
+              </a:rPr>
+              <a:t>，</a:t>
+            </a:r>
+            <a:r>
+              <a:rPr lang="zh-CN" altLang="en-US" sz="1200" dirty="0" smtClean="0">
+                <a:solidFill>
+                  <a:schemeClr val="accent1">
+                    <a:lumMod val="40000"/>
+                    <a:lumOff val="60000"/>
+                  </a:schemeClr>
+                </a:solidFill>
+                <a:latin typeface="微软雅黑" panose="020B0503020204020204" pitchFamily="34" charset="-122"/>
+                <a:ea typeface="微软雅黑" panose="020B0503020204020204" pitchFamily="34" charset="-122"/>
+              </a:rPr>
+              <a:t>每次提交事务时</a:t>
+            </a:r>
+            <a:r>
+              <a:rPr lang="zh-CN" altLang="en-US" sz="1200" dirty="0" smtClean="0">
+                <a:solidFill>
+                  <a:srgbClr val="92D050"/>
+                </a:solidFill>
+                <a:latin typeface="微软雅黑" panose="020B0503020204020204" pitchFamily="34" charset="-122"/>
+                <a:ea typeface="微软雅黑" panose="020B0503020204020204" pitchFamily="34" charset="-122"/>
+              </a:rPr>
+              <a:t>分配给这个事务，并加</a:t>
+            </a:r>
+            <a:r>
+              <a:rPr lang="en-US" altLang="zh-CN" sz="1200" dirty="0" smtClean="0">
+                <a:solidFill>
+                  <a:srgbClr val="92D050"/>
+                </a:solidFill>
+                <a:latin typeface="微软雅黑" panose="020B0503020204020204" pitchFamily="34" charset="-122"/>
+                <a:ea typeface="微软雅黑" panose="020B0503020204020204" pitchFamily="34" charset="-122"/>
+              </a:rPr>
+              <a:t>1</a:t>
+            </a:r>
+            <a:r>
+              <a:rPr lang="zh-CN" altLang="en-US" sz="1200" dirty="0" smtClean="0">
+                <a:solidFill>
+                  <a:srgbClr val="92D050"/>
+                </a:solidFill>
+                <a:latin typeface="微软雅黑" panose="020B0503020204020204" pitchFamily="34" charset="-122"/>
+                <a:ea typeface="微软雅黑" panose="020B0503020204020204" pitchFamily="34" charset="-122"/>
+              </a:rPr>
+              <a:t>。</a:t>
             </a:r>
             <a:endParaRPr lang="en-US" altLang="zh-CN" sz="1200" dirty="0" smtClean="0">
               <a:solidFill>
@@ -8063,75 +8250,6 @@
             </a:endParaRPr>
           </a:p>
           <a:p>
-            <a:r>
-              <a:rPr lang="en-US" altLang="zh-CN" sz="1200" dirty="0" err="1" smtClean="0">
-                <a:solidFill>
-                  <a:srgbClr val="92D050"/>
-                </a:solidFill>
-                <a:latin typeface="微软雅黑" panose="020B0503020204020204" pitchFamily="34" charset="-122"/>
-                <a:ea typeface="微软雅黑" panose="020B0503020204020204" pitchFamily="34" charset="-122"/>
-              </a:rPr>
-              <a:t>gno</a:t>
-            </a:r>
-            <a:r>
-              <a:rPr lang="zh-CN" altLang="en-US" sz="1200" dirty="0" smtClean="0">
-                <a:solidFill>
-                  <a:srgbClr val="92D050"/>
-                </a:solidFill>
-                <a:latin typeface="微软雅黑" panose="020B0503020204020204" pitchFamily="34" charset="-122"/>
-                <a:ea typeface="微软雅黑" panose="020B0503020204020204" pitchFamily="34" charset="-122"/>
-              </a:rPr>
-              <a:t>是一个整数，初始值为</a:t>
-            </a:r>
-            <a:r>
-              <a:rPr lang="en-US" altLang="zh-CN" sz="1200" dirty="0" smtClean="0">
-                <a:solidFill>
-                  <a:srgbClr val="92D050"/>
-                </a:solidFill>
-                <a:latin typeface="微软雅黑" panose="020B0503020204020204" pitchFamily="34" charset="-122"/>
-                <a:ea typeface="微软雅黑" panose="020B0503020204020204" pitchFamily="34" charset="-122"/>
-              </a:rPr>
-              <a:t>1</a:t>
-            </a:r>
-            <a:r>
-              <a:rPr lang="zh-CN" altLang="en-US" sz="1200" dirty="0" smtClean="0">
-                <a:solidFill>
-                  <a:srgbClr val="92D050"/>
-                </a:solidFill>
-                <a:latin typeface="微软雅黑" panose="020B0503020204020204" pitchFamily="34" charset="-122"/>
-                <a:ea typeface="微软雅黑" panose="020B0503020204020204" pitchFamily="34" charset="-122"/>
-              </a:rPr>
-              <a:t>，每次提交事务时分配给这个事务，并加</a:t>
-            </a:r>
-            <a:r>
-              <a:rPr lang="en-US" altLang="zh-CN" sz="1200" dirty="0" smtClean="0">
-                <a:solidFill>
-                  <a:srgbClr val="92D050"/>
-                </a:solidFill>
-                <a:latin typeface="微软雅黑" panose="020B0503020204020204" pitchFamily="34" charset="-122"/>
-                <a:ea typeface="微软雅黑" panose="020B0503020204020204" pitchFamily="34" charset="-122"/>
-              </a:rPr>
-              <a:t>1</a:t>
-            </a:r>
-            <a:r>
-              <a:rPr lang="zh-CN" altLang="en-US" sz="1200" dirty="0" smtClean="0">
-                <a:solidFill>
-                  <a:srgbClr val="92D050"/>
-                </a:solidFill>
-                <a:latin typeface="微软雅黑" panose="020B0503020204020204" pitchFamily="34" charset="-122"/>
-                <a:ea typeface="微软雅黑" panose="020B0503020204020204" pitchFamily="34" charset="-122"/>
-              </a:rPr>
-              <a:t>。</a:t>
-            </a:r>
-            <a:endParaRPr lang="en-US" altLang="zh-CN" sz="1200" dirty="0" smtClean="0">
-              <a:solidFill>
-                <a:srgbClr val="92D050"/>
-              </a:solidFill>
-              <a:latin typeface="微软雅黑" panose="020B0503020204020204" pitchFamily="34" charset="-122"/>
-              <a:ea typeface="微软雅黑" panose="020B0503020204020204" pitchFamily="34" charset="-122"/>
-            </a:endParaRPr>
-          </a:p>
-          <a:p>
             <a:endParaRPr lang="en-US" altLang="zh-CN" sz="1200" dirty="0">
               <a:solidFill>
                 <a:srgbClr val="92D050"/>
@@ -8221,310 +8339,283 @@
               </a:rPr>
               <a:t>=on</a:t>
             </a:r>
-            <a:endParaRPr lang="en-US" altLang="zh-CN" sz="1200" dirty="0" smtClean="0">
-              <a:solidFill>
-                <a:srgbClr val="92D050"/>
-              </a:solidFill>
-              <a:latin typeface="微软雅黑" panose="020B0503020204020204" pitchFamily="34" charset="-122"/>
-              <a:ea typeface="微软雅黑" panose="020B0503020204020204" pitchFamily="34" charset="-122"/>
-            </a:endParaRPr>
-          </a:p>
-        </p:txBody>
-      </p:sp>
-      <p:sp>
-        <p:nvSpPr>
-          <p:cNvPr id="29" name="矩形 28"/>
-          <p:cNvSpPr/>
+          </a:p>
+        </p:txBody>
+      </p:sp>
+      <p:pic>
+        <p:nvPicPr>
+          <p:cNvPr id="3" name="图片 2"/>
+          <p:cNvPicPr>
+            <a:picLocks noChangeAspect="1"/>
+          </p:cNvPicPr>
           <p:nvPr/>
-        </p:nvSpPr>
+        </p:nvPicPr>
+        <p:blipFill>
+          <a:blip r:embed="rId3">
+            <a:extLst>
+              <a:ext uri="{28A0092B-C50C-407E-A947-70E740481C1C}">
+                <a14:useLocalDpi xmlns:a14="http://schemas.microsoft.com/office/drawing/2010/main" val="0"/>
+              </a:ext>
+            </a:extLst>
+          </a:blip>
+          <a:stretch>
+            <a:fillRect/>
+          </a:stretch>
+        </p:blipFill>
         <p:spPr>
           <a:xfrm>
-            <a:off x="690202" y="3091506"/>
-            <a:ext cx="963930" cy="673100"/>
+            <a:off x="4134678" y="2803221"/>
+            <a:ext cx="7911548" cy="1895356"/>
           </a:xfrm>
           <a:prstGeom prst="rect">
             <a:avLst/>
           </a:prstGeom>
-          <a:solidFill>
-            <a:srgbClr val="00B050"/>
-          </a:solidFill>
-          <a:ln>
-            <a:noFill/>
-          </a:ln>
-          <a:scene3d>
-            <a:camera prst="orthographicFront"/>
-            <a:lightRig rig="threePt" dir="t"/>
-          </a:scene3d>
-          <a:sp3d>
-            <a:bevelT w="114300" prst="artDeco"/>
-          </a:sp3d>
         </p:spPr>
-        <p:style>
-          <a:lnRef idx="2">
-            <a:schemeClr val="accent1">
-              <a:shade val="50000"/>
-            </a:schemeClr>
-          </a:lnRef>
-          <a:fillRef idx="1">
-            <a:schemeClr val="accent1"/>
-          </a:fillRef>
-          <a:effectRef idx="0">
-            <a:schemeClr val="accent1"/>
-          </a:effectRef>
-          <a:fontRef idx="minor">
-            <a:schemeClr val="lt1"/>
-          </a:fontRef>
-        </p:style>
-        <p:txBody>
-          <a:bodyPr rtlCol="0" anchor="ctr"/>
-          <a:lstStyle/>
-          <a:p>
-            <a:pPr algn="ctr"/>
-            <a:r>
-              <a:rPr lang="en-US" altLang="zh-CN" sz="1400" dirty="0" smtClean="0">
-                <a:latin typeface="微软雅黑" panose="020B0503020204020204" pitchFamily="34" charset="-122"/>
-                <a:ea typeface="微软雅黑" panose="020B0503020204020204" pitchFamily="34" charset="-122"/>
-              </a:rPr>
-              <a:t>MySQL</a:t>
-            </a:r>
-          </a:p>
-          <a:p>
-            <a:pPr algn="ctr"/>
-            <a:r>
-              <a:rPr lang="en-US" altLang="zh-CN" sz="1400" dirty="0" smtClean="0">
-                <a:latin typeface="微软雅黑" panose="020B0503020204020204" pitchFamily="34" charset="-122"/>
-                <a:ea typeface="微软雅黑" panose="020B0503020204020204" pitchFamily="34" charset="-122"/>
-              </a:rPr>
-              <a:t>A</a:t>
-            </a:r>
-            <a:endParaRPr lang="zh-CN" altLang="en-US" sz="1400" dirty="0">
-              <a:latin typeface="微软雅黑" panose="020B0503020204020204" pitchFamily="34" charset="-122"/>
-              <a:ea typeface="微软雅黑" panose="020B0503020204020204" pitchFamily="34" charset="-122"/>
-            </a:endParaRPr>
-          </a:p>
-        </p:txBody>
-      </p:sp>
-      <p:sp>
-        <p:nvSpPr>
-          <p:cNvPr id="30" name="矩形 29"/>
-          <p:cNvSpPr/>
+      </p:pic>
+      <p:pic>
+        <p:nvPicPr>
+          <p:cNvPr id="5" name="图片 4"/>
+          <p:cNvPicPr>
+            <a:picLocks noChangeAspect="1"/>
+          </p:cNvPicPr>
           <p:nvPr/>
-        </p:nvSpPr>
+        </p:nvPicPr>
+        <p:blipFill>
+          <a:blip r:embed="rId4">
+            <a:extLst>
+              <a:ext uri="{28A0092B-C50C-407E-A947-70E740481C1C}">
+                <a14:useLocalDpi xmlns:a14="http://schemas.microsoft.com/office/drawing/2010/main" val="0"/>
+              </a:ext>
+            </a:extLst>
+          </a:blip>
+          <a:stretch>
+            <a:fillRect/>
+          </a:stretch>
+        </p:blipFill>
         <p:spPr>
           <a:xfrm>
-            <a:off x="4036906" y="3091506"/>
-            <a:ext cx="963930" cy="673100"/>
+            <a:off x="4134678" y="5314686"/>
+            <a:ext cx="5160397" cy="1432353"/>
           </a:xfrm>
           <a:prstGeom prst="rect">
             <a:avLst/>
           </a:prstGeom>
-          <a:solidFill>
-            <a:srgbClr val="00B050"/>
-          </a:solidFill>
-          <a:ln>
-            <a:noFill/>
-          </a:ln>
-          <a:scene3d>
-            <a:camera prst="orthographicFront"/>
-            <a:lightRig rig="threePt" dir="t"/>
-          </a:scene3d>
-          <a:sp3d>
-            <a:bevelT w="114300" prst="artDeco"/>
-          </a:sp3d>
         </p:spPr>
-        <p:style>
-          <a:lnRef idx="2">
-            <a:schemeClr val="accent1">
-              <a:shade val="50000"/>
-            </a:schemeClr>
-          </a:lnRef>
-          <a:fillRef idx="1">
-            <a:schemeClr val="accent1"/>
-          </a:fillRef>
-          <a:effectRef idx="0">
-            <a:schemeClr val="accent1"/>
-          </a:effectRef>
-          <a:fontRef idx="minor">
-            <a:schemeClr val="lt1"/>
-          </a:fontRef>
-        </p:style>
-        <p:txBody>
-          <a:bodyPr rtlCol="0" anchor="ctr"/>
-          <a:lstStyle/>
-          <a:p>
-            <a:pPr algn="ctr"/>
-            <a:r>
-              <a:rPr lang="en-US" altLang="zh-CN" sz="1400" dirty="0" smtClean="0">
-                <a:latin typeface="微软雅黑" panose="020B0503020204020204" pitchFamily="34" charset="-122"/>
-                <a:ea typeface="微软雅黑" panose="020B0503020204020204" pitchFamily="34" charset="-122"/>
-              </a:rPr>
-              <a:t>MySQL</a:t>
-            </a:r>
-          </a:p>
-          <a:p>
-            <a:pPr algn="ctr"/>
-            <a:r>
-              <a:rPr lang="en-US" altLang="zh-CN" sz="1400" dirty="0" smtClean="0">
-                <a:latin typeface="微软雅黑" panose="020B0503020204020204" pitchFamily="34" charset="-122"/>
-                <a:ea typeface="微软雅黑" panose="020B0503020204020204" pitchFamily="34" charset="-122"/>
-              </a:rPr>
-              <a:t>B</a:t>
-            </a:r>
-            <a:endParaRPr lang="zh-CN" altLang="en-US" sz="1400" dirty="0">
-              <a:latin typeface="微软雅黑" panose="020B0503020204020204" pitchFamily="34" charset="-122"/>
-              <a:ea typeface="微软雅黑" panose="020B0503020204020204" pitchFamily="34" charset="-122"/>
-            </a:endParaRPr>
-          </a:p>
-        </p:txBody>
-      </p:sp>
-      <p:sp>
-        <p:nvSpPr>
-          <p:cNvPr id="31" name="矩形 30"/>
+      </p:pic>
+      <p:sp>
+        <p:nvSpPr>
+          <p:cNvPr id="6" name="矩形 5"/>
           <p:cNvSpPr/>
           <p:nvPr/>
         </p:nvSpPr>
         <p:spPr>
           <a:xfrm>
-            <a:off x="4123799" y="3764606"/>
-            <a:ext cx="790144" cy="364926"/>
+            <a:off x="23853" y="4349546"/>
+            <a:ext cx="2899244" cy="1169551"/>
           </a:xfrm>
           <a:prstGeom prst="rect">
             <a:avLst/>
           </a:prstGeom>
-          <a:solidFill>
-            <a:schemeClr val="accent6"/>
-          </a:solidFill>
           <a:ln>
-            <a:noFill/>
+            <a:solidFill>
+              <a:schemeClr val="tx1"/>
+            </a:solidFill>
           </a:ln>
-          <a:scene3d>
-            <a:camera prst="orthographicFront"/>
-            <a:lightRig rig="threePt" dir="t"/>
-          </a:scene3d>
-          <a:sp3d>
-            <a:bevelT w="114300" prst="artDeco"/>
-          </a:sp3d>
         </p:spPr>
-        <p:style>
-          <a:lnRef idx="2">
-            <a:schemeClr val="accent1">
-              <a:shade val="50000"/>
-            </a:schemeClr>
-          </a:lnRef>
-          <a:fillRef idx="1">
-            <a:schemeClr val="accent1"/>
-          </a:fillRef>
-          <a:effectRef idx="0">
-            <a:schemeClr val="accent1"/>
-          </a:effectRef>
-          <a:fontRef idx="minor">
-            <a:schemeClr val="lt1"/>
-          </a:fontRef>
-        </p:style>
-        <p:txBody>
-          <a:bodyPr rtlCol="0" anchor="ctr"/>
+        <p:txBody>
+          <a:bodyPr wrap="square">
+            <a:spAutoFit/>
+          </a:bodyPr>
           <a:lstStyle/>
           <a:p>
-            <a:pPr algn="ctr"/>
-            <a:r>
-              <a:rPr lang="en-US" altLang="zh-CN" sz="1400" dirty="0" err="1" smtClean="0">
-                <a:latin typeface="微软雅黑" panose="020B0503020204020204" pitchFamily="34" charset="-122"/>
-                <a:ea typeface="微软雅黑" panose="020B0503020204020204" pitchFamily="34" charset="-122"/>
-              </a:rPr>
-              <a:t>set_b</a:t>
-            </a:r>
-            <a:endParaRPr lang="zh-CN" altLang="en-US" sz="1400" dirty="0">
+            <a:r>
+              <a:rPr lang="en-US" sz="1000">
+                <a:latin typeface="微软雅黑" panose="020B0503020204020204" pitchFamily="34" charset="-122"/>
+                <a:ea typeface="微软雅黑" panose="020B0503020204020204" pitchFamily="34" charset="-122"/>
+              </a:rPr>
+              <a:t>CREATE TABLE `t` </a:t>
+            </a:r>
+            <a:r>
+              <a:rPr lang="en-US" sz="1000">
+                <a:latin typeface="微软雅黑" panose="020B0503020204020204" pitchFamily="34" charset="-122"/>
+                <a:ea typeface="微软雅黑" panose="020B0503020204020204" pitchFamily="34" charset="-122"/>
+              </a:rPr>
+              <a:t>( </a:t>
+            </a:r>
+            <a:endParaRPr lang="en-US" sz="1000" smtClean="0">
               <a:latin typeface="微软雅黑" panose="020B0503020204020204" pitchFamily="34" charset="-122"/>
               <a:ea typeface="微软雅黑" panose="020B0503020204020204" pitchFamily="34" charset="-122"/>
             </a:endParaRPr>
           </a:p>
-        </p:txBody>
-      </p:sp>
-      <p:sp>
-        <p:nvSpPr>
-          <p:cNvPr id="32" name="矩形 31"/>
-          <p:cNvSpPr/>
-          <p:nvPr/>
-        </p:nvSpPr>
-        <p:spPr>
-          <a:xfrm>
-            <a:off x="777095" y="3764606"/>
-            <a:ext cx="790144" cy="364926"/>
-          </a:xfrm>
-          <a:prstGeom prst="rect">
-            <a:avLst/>
-          </a:prstGeom>
-          <a:solidFill>
-            <a:schemeClr val="accent6"/>
-          </a:solidFill>
-          <a:ln>
-            <a:noFill/>
-          </a:ln>
-          <a:scene3d>
-            <a:camera prst="orthographicFront"/>
-            <a:lightRig rig="threePt" dir="t"/>
-          </a:scene3d>
-          <a:sp3d>
-            <a:bevelT w="114300" prst="artDeco"/>
-          </a:sp3d>
-        </p:spPr>
-        <p:style>
-          <a:lnRef idx="2">
-            <a:schemeClr val="accent1">
-              <a:shade val="50000"/>
-            </a:schemeClr>
-          </a:lnRef>
-          <a:fillRef idx="1">
-            <a:schemeClr val="accent1"/>
-          </a:fillRef>
-          <a:effectRef idx="0">
-            <a:schemeClr val="accent1"/>
-          </a:effectRef>
-          <a:fontRef idx="minor">
-            <a:schemeClr val="lt1"/>
-          </a:fontRef>
-        </p:style>
-        <p:txBody>
-          <a:bodyPr rtlCol="0" anchor="ctr"/>
-          <a:lstStyle/>
-          <a:p>
-            <a:pPr algn="ctr"/>
-            <a:r>
-              <a:rPr lang="en-US" altLang="zh-CN" sz="1400" dirty="0" err="1" smtClean="0">
-                <a:latin typeface="微软雅黑" panose="020B0503020204020204" pitchFamily="34" charset="-122"/>
-                <a:ea typeface="微软雅黑" panose="020B0503020204020204" pitchFamily="34" charset="-122"/>
-              </a:rPr>
-              <a:t>set_a</a:t>
-            </a:r>
-            <a:endParaRPr lang="zh-CN" altLang="en-US" sz="1400" dirty="0">
+          <a:p>
+            <a:r>
+              <a:rPr lang="en-US" sz="1000" smtClean="0">
+                <a:latin typeface="微软雅黑" panose="020B0503020204020204" pitchFamily="34" charset="-122"/>
+                <a:ea typeface="微软雅黑" panose="020B0503020204020204" pitchFamily="34" charset="-122"/>
+              </a:rPr>
+              <a:t>        `</a:t>
+            </a:r>
+            <a:r>
+              <a:rPr lang="en-US" sz="1000">
+                <a:latin typeface="微软雅黑" panose="020B0503020204020204" pitchFamily="34" charset="-122"/>
+                <a:ea typeface="微软雅黑" panose="020B0503020204020204" pitchFamily="34" charset="-122"/>
+              </a:rPr>
+              <a:t>id` int(11) NOT NULL</a:t>
+            </a:r>
+            <a:r>
+              <a:rPr lang="en-US" sz="1000">
+                <a:latin typeface="微软雅黑" panose="020B0503020204020204" pitchFamily="34" charset="-122"/>
+                <a:ea typeface="微软雅黑" panose="020B0503020204020204" pitchFamily="34" charset="-122"/>
+              </a:rPr>
+              <a:t>, </a:t>
+            </a:r>
+            <a:endParaRPr lang="en-US" sz="1000" smtClean="0">
               <a:latin typeface="微软雅黑" panose="020B0503020204020204" pitchFamily="34" charset="-122"/>
               <a:ea typeface="微软雅黑" panose="020B0503020204020204" pitchFamily="34" charset="-122"/>
             </a:endParaRPr>
           </a:p>
+          <a:p>
+            <a:r>
+              <a:rPr lang="en-US" sz="1000">
+                <a:latin typeface="微软雅黑" panose="020B0503020204020204" pitchFamily="34" charset="-122"/>
+                <a:ea typeface="微软雅黑" panose="020B0503020204020204" pitchFamily="34" charset="-122"/>
+              </a:rPr>
+              <a:t> </a:t>
+            </a:r>
+            <a:r>
+              <a:rPr lang="en-US" sz="1000" smtClean="0">
+                <a:latin typeface="微软雅黑" panose="020B0503020204020204" pitchFamily="34" charset="-122"/>
+                <a:ea typeface="微软雅黑" panose="020B0503020204020204" pitchFamily="34" charset="-122"/>
+              </a:rPr>
+              <a:t>       `</a:t>
+            </a:r>
+            <a:r>
+              <a:rPr lang="en-US" sz="1000">
+                <a:latin typeface="微软雅黑" panose="020B0503020204020204" pitchFamily="34" charset="-122"/>
+                <a:ea typeface="微软雅黑" panose="020B0503020204020204" pitchFamily="34" charset="-122"/>
+              </a:rPr>
+              <a:t>c` int(11) </a:t>
+            </a:r>
+            <a:r>
+              <a:rPr lang="en-US" sz="1000">
+                <a:latin typeface="微软雅黑" panose="020B0503020204020204" pitchFamily="34" charset="-122"/>
+                <a:ea typeface="微软雅黑" panose="020B0503020204020204" pitchFamily="34" charset="-122"/>
+              </a:rPr>
+              <a:t>DEFAULT </a:t>
+            </a:r>
+            <a:r>
+              <a:rPr lang="en-US" sz="1000" smtClean="0">
+                <a:latin typeface="微软雅黑" panose="020B0503020204020204" pitchFamily="34" charset="-122"/>
+                <a:ea typeface="微软雅黑" panose="020B0503020204020204" pitchFamily="34" charset="-122"/>
+              </a:rPr>
+              <a:t>NULL,</a:t>
+            </a:r>
+          </a:p>
+          <a:p>
+            <a:r>
+              <a:rPr lang="en-US" sz="1000">
+                <a:latin typeface="微软雅黑" panose="020B0503020204020204" pitchFamily="34" charset="-122"/>
+                <a:ea typeface="微软雅黑" panose="020B0503020204020204" pitchFamily="34" charset="-122"/>
+              </a:rPr>
+              <a:t> </a:t>
+            </a:r>
+            <a:r>
+              <a:rPr lang="en-US" sz="1000" smtClean="0">
+                <a:latin typeface="微软雅黑" panose="020B0503020204020204" pitchFamily="34" charset="-122"/>
+                <a:ea typeface="微软雅黑" panose="020B0503020204020204" pitchFamily="34" charset="-122"/>
+              </a:rPr>
+              <a:t>       PRIMARY </a:t>
+            </a:r>
+            <a:r>
+              <a:rPr lang="en-US" sz="1000">
+                <a:latin typeface="微软雅黑" panose="020B0503020204020204" pitchFamily="34" charset="-122"/>
+                <a:ea typeface="微软雅黑" panose="020B0503020204020204" pitchFamily="34" charset="-122"/>
+              </a:rPr>
+              <a:t>KEY (`</a:t>
+            </a:r>
+            <a:r>
+              <a:rPr lang="en-US" sz="1000">
+                <a:latin typeface="微软雅黑" panose="020B0503020204020204" pitchFamily="34" charset="-122"/>
+                <a:ea typeface="微软雅黑" panose="020B0503020204020204" pitchFamily="34" charset="-122"/>
+              </a:rPr>
+              <a:t>id</a:t>
+            </a:r>
+            <a:r>
+              <a:rPr lang="en-US" sz="1000" smtClean="0">
+                <a:latin typeface="微软雅黑" panose="020B0503020204020204" pitchFamily="34" charset="-122"/>
+                <a:ea typeface="微软雅黑" panose="020B0503020204020204" pitchFamily="34" charset="-122"/>
+              </a:rPr>
+              <a:t>`)</a:t>
+            </a:r>
+          </a:p>
+          <a:p>
+            <a:r>
+              <a:rPr lang="en-US" sz="1000" smtClean="0">
+                <a:latin typeface="微软雅黑" panose="020B0503020204020204" pitchFamily="34" charset="-122"/>
+                <a:ea typeface="微软雅黑" panose="020B0503020204020204" pitchFamily="34" charset="-122"/>
+              </a:rPr>
+              <a:t>) </a:t>
+            </a:r>
+            <a:r>
+              <a:rPr lang="en-US" sz="1000">
+                <a:latin typeface="微软雅黑" panose="020B0503020204020204" pitchFamily="34" charset="-122"/>
+                <a:ea typeface="微软雅黑" panose="020B0503020204020204" pitchFamily="34" charset="-122"/>
+              </a:rPr>
+              <a:t>ENGINE=InnoDB;insert into t </a:t>
+            </a:r>
+            <a:r>
+              <a:rPr lang="en-US" sz="1000">
+                <a:latin typeface="微软雅黑" panose="020B0503020204020204" pitchFamily="34" charset="-122"/>
+                <a:ea typeface="微软雅黑" panose="020B0503020204020204" pitchFamily="34" charset="-122"/>
+              </a:rPr>
+              <a:t>values(1,1</a:t>
+            </a:r>
+            <a:r>
+              <a:rPr lang="en-US" sz="1000" smtClean="0">
+                <a:latin typeface="微软雅黑" panose="020B0503020204020204" pitchFamily="34" charset="-122"/>
+                <a:ea typeface="微软雅黑" panose="020B0503020204020204" pitchFamily="34" charset="-122"/>
+              </a:rPr>
+              <a:t>);</a:t>
+            </a:r>
+          </a:p>
+          <a:p>
+            <a:endParaRPr lang="en-US" sz="1000">
+              <a:latin typeface="微软雅黑" panose="020B0503020204020204" pitchFamily="34" charset="-122"/>
+              <a:ea typeface="微软雅黑" panose="020B0503020204020204" pitchFamily="34" charset="-122"/>
+            </a:endParaRPr>
+          </a:p>
+          <a:p>
+            <a:r>
+              <a:rPr lang="en-US" sz="1000">
+                <a:latin typeface="微软雅黑" panose="020B0503020204020204" pitchFamily="34" charset="-122"/>
+                <a:ea typeface="微软雅黑" panose="020B0503020204020204" pitchFamily="34" charset="-122"/>
+              </a:rPr>
+              <a:t>insert into t values(1,1);</a:t>
+            </a:r>
+          </a:p>
         </p:txBody>
       </p:sp>
       <p:cxnSp>
         <p:nvCxnSpPr>
-          <p:cNvPr id="4" name="直接箭头连接符 3"/>
+          <p:cNvPr id="9" name="直接箭头连接符 8"/>
           <p:cNvCxnSpPr>
-            <a:stCxn id="30" idx="1"/>
-            <a:endCxn id="29" idx="3"/>
+            <a:stCxn id="6" idx="3"/>
+            <a:endCxn id="3" idx="1"/>
           </p:cNvCxnSpPr>
           <p:nvPr/>
         </p:nvCxnSpPr>
         <p:spPr>
-          <a:xfrm flipH="1">
-            <a:off x="1654132" y="3428056"/>
-            <a:ext cx="2382774" cy="0"/>
+          <a:xfrm flipV="1">
+            <a:off x="2923097" y="3750899"/>
+            <a:ext cx="1211581" cy="1183423"/>
           </a:xfrm>
           <a:prstGeom prst="straightConnector1">
             <a:avLst/>
           </a:prstGeom>
           <a:ln>
             <a:solidFill>
-              <a:srgbClr val="FFFF00"/>
+              <a:srgbClr val="00B0F0"/>
             </a:solidFill>
-            <a:prstDash val="lgDash"/>
             <a:tailEnd type="triangle"/>
           </a:ln>
         </p:spPr>
@@ -8543,182 +8634,208 @@
           </a:fontRef>
         </p:style>
       </p:cxnSp>
-      <p:sp>
-        <p:nvSpPr>
-          <p:cNvPr id="36" name="矩形 35"/>
+      <p:cxnSp>
+        <p:nvCxnSpPr>
+          <p:cNvPr id="17" name="直接箭头连接符 16"/>
+          <p:cNvCxnSpPr>
+            <a:stCxn id="6" idx="3"/>
+            <a:endCxn id="5" idx="1"/>
+          </p:cNvCxnSpPr>
+          <p:nvPr/>
+        </p:nvCxnSpPr>
+        <p:spPr>
+          <a:xfrm>
+            <a:off x="2923097" y="4934322"/>
+            <a:ext cx="1211581" cy="1096541"/>
+          </a:xfrm>
+          <a:prstGeom prst="straightConnector1">
+            <a:avLst/>
+          </a:prstGeom>
+          <a:ln>
+            <a:solidFill>
+              <a:srgbClr val="00B0F0"/>
+            </a:solidFill>
+            <a:tailEnd type="triangle"/>
+          </a:ln>
+        </p:spPr>
+        <p:style>
+          <a:lnRef idx="1">
+            <a:schemeClr val="accent1"/>
+          </a:lnRef>
+          <a:fillRef idx="0">
+            <a:schemeClr val="accent1"/>
+          </a:fillRef>
+          <a:effectRef idx="0">
+            <a:schemeClr val="accent1"/>
+          </a:effectRef>
+          <a:fontRef idx="minor">
+            <a:schemeClr val="tx1"/>
+          </a:fontRef>
+        </p:style>
+      </p:cxnSp>
+      <p:sp>
+        <p:nvSpPr>
+          <p:cNvPr id="22" name="矩形 21"/>
           <p:cNvSpPr/>
           <p:nvPr/>
         </p:nvSpPr>
         <p:spPr>
           <a:xfrm>
-            <a:off x="1741025" y="3548628"/>
-            <a:ext cx="2208987" cy="1015663"/>
+            <a:off x="2183626" y="3967886"/>
+            <a:ext cx="1871025" cy="261610"/>
           </a:xfrm>
           <a:prstGeom prst="rect">
             <a:avLst/>
           </a:prstGeom>
         </p:spPr>
         <p:txBody>
-          <a:bodyPr wrap="square">
+          <a:bodyPr wrap="none">
             <a:spAutoFit/>
           </a:bodyPr>
           <a:lstStyle/>
           <a:p>
             <a:r>
-              <a:rPr lang="zh-CN" altLang="en-US" sz="1200" dirty="0" smtClean="0">
-                <a:latin typeface="微软雅黑" panose="020B0503020204020204" pitchFamily="34" charset="-122"/>
-                <a:ea typeface="微软雅黑" panose="020B0503020204020204" pitchFamily="34" charset="-122"/>
-              </a:rPr>
-              <a:t>建立连接时，</a:t>
-            </a:r>
-            <a:r>
-              <a:rPr lang="en-US" altLang="zh-CN" sz="1200" dirty="0" smtClean="0">
-                <a:latin typeface="微软雅黑" panose="020B0503020204020204" pitchFamily="34" charset="-122"/>
-                <a:ea typeface="微软雅黑" panose="020B0503020204020204" pitchFamily="34" charset="-122"/>
-              </a:rPr>
-              <a:t>B</a:t>
-            </a:r>
-            <a:r>
-              <a:rPr lang="zh-CN" altLang="en-US" sz="1200" dirty="0" smtClean="0">
-                <a:latin typeface="微软雅黑" panose="020B0503020204020204" pitchFamily="34" charset="-122"/>
-                <a:ea typeface="微软雅黑" panose="020B0503020204020204" pitchFamily="34" charset="-122"/>
-              </a:rPr>
-              <a:t>发送</a:t>
-            </a:r>
-            <a:r>
-              <a:rPr lang="en-US" altLang="zh-CN" sz="1200" dirty="0" err="1" smtClean="0">
-                <a:latin typeface="微软雅黑" panose="020B0503020204020204" pitchFamily="34" charset="-122"/>
-                <a:ea typeface="微软雅黑" panose="020B0503020204020204" pitchFamily="34" charset="-122"/>
-              </a:rPr>
-              <a:t>set_b</a:t>
-            </a:r>
-            <a:r>
-              <a:rPr lang="zh-CN" altLang="en-US" sz="1200" dirty="0" smtClean="0">
-                <a:latin typeface="微软雅黑" panose="020B0503020204020204" pitchFamily="34" charset="-122"/>
-                <a:ea typeface="微软雅黑" panose="020B0503020204020204" pitchFamily="34" charset="-122"/>
-              </a:rPr>
-              <a:t>给</a:t>
-            </a:r>
-            <a:r>
-              <a:rPr lang="en-US" altLang="zh-CN" sz="1200" dirty="0" smtClean="0">
-                <a:latin typeface="微软雅黑" panose="020B0503020204020204" pitchFamily="34" charset="-122"/>
-                <a:ea typeface="微软雅黑" panose="020B0503020204020204" pitchFamily="34" charset="-122"/>
-              </a:rPr>
-              <a:t>A</a:t>
-            </a:r>
-            <a:r>
-              <a:rPr lang="zh-CN" altLang="en-US" sz="1200" dirty="0" smtClean="0">
-                <a:latin typeface="微软雅黑" panose="020B0503020204020204" pitchFamily="34" charset="-122"/>
-                <a:ea typeface="微软雅黑" panose="020B0503020204020204" pitchFamily="34" charset="-122"/>
-              </a:rPr>
-              <a:t>，</a:t>
-            </a:r>
-            <a:r>
-              <a:rPr lang="en-US" altLang="zh-CN" sz="1200" dirty="0" smtClean="0">
-                <a:latin typeface="微软雅黑" panose="020B0503020204020204" pitchFamily="34" charset="-122"/>
-                <a:ea typeface="微软雅黑" panose="020B0503020204020204" pitchFamily="34" charset="-122"/>
-              </a:rPr>
-              <a:t>A</a:t>
-            </a:r>
-            <a:r>
-              <a:rPr lang="zh-CN" altLang="en-US" sz="1200" dirty="0" smtClean="0">
-                <a:latin typeface="微软雅黑" panose="020B0503020204020204" pitchFamily="34" charset="-122"/>
-                <a:ea typeface="微软雅黑" panose="020B0503020204020204" pitchFamily="34" charset="-122"/>
-              </a:rPr>
-              <a:t>算出</a:t>
-            </a:r>
-            <a:r>
-              <a:rPr lang="en-US" altLang="zh-CN" sz="1200" dirty="0" err="1" smtClean="0">
-                <a:latin typeface="微软雅黑" panose="020B0503020204020204" pitchFamily="34" charset="-122"/>
-                <a:ea typeface="微软雅黑" panose="020B0503020204020204" pitchFamily="34" charset="-122"/>
-              </a:rPr>
-              <a:t>set_a</a:t>
-            </a:r>
-            <a:r>
-              <a:rPr lang="zh-CN" altLang="en-US" sz="1200" dirty="0" smtClean="0">
-                <a:latin typeface="微软雅黑" panose="020B0503020204020204" pitchFamily="34" charset="-122"/>
-                <a:ea typeface="微软雅黑" panose="020B0503020204020204" pitchFamily="34" charset="-122"/>
-              </a:rPr>
-              <a:t>和</a:t>
-            </a:r>
-            <a:r>
-              <a:rPr lang="en-US" altLang="zh-CN" sz="1200" dirty="0" err="1" smtClean="0">
-                <a:latin typeface="微软雅黑" panose="020B0503020204020204" pitchFamily="34" charset="-122"/>
-                <a:ea typeface="微软雅黑" panose="020B0503020204020204" pitchFamily="34" charset="-122"/>
-              </a:rPr>
-              <a:t>set_b</a:t>
-            </a:r>
-            <a:r>
-              <a:rPr lang="zh-CN" altLang="en-US" sz="1200" dirty="0" smtClean="0">
-                <a:latin typeface="微软雅黑" panose="020B0503020204020204" pitchFamily="34" charset="-122"/>
-                <a:ea typeface="微软雅黑" panose="020B0503020204020204" pitchFamily="34" charset="-122"/>
-              </a:rPr>
-              <a:t>的差集，从自己</a:t>
-            </a:r>
-            <a:r>
-              <a:rPr lang="en-US" altLang="zh-CN" sz="1200" dirty="0" err="1" smtClean="0">
+              <a:rPr lang="zh-CN" altLang="en-US" sz="1100" smtClean="0">
+                <a:solidFill>
+                  <a:srgbClr val="FFFF00"/>
+                </a:solidFill>
+                <a:latin typeface="微软雅黑" panose="020B0503020204020204" pitchFamily="34" charset="-122"/>
+                <a:ea typeface="微软雅黑" panose="020B0503020204020204" pitchFamily="34" charset="-122"/>
+              </a:rPr>
+              <a:t>在</a:t>
+            </a:r>
+            <a:r>
+              <a:rPr lang="en-US" altLang="zh-CN" sz="1100" smtClean="0">
+                <a:solidFill>
+                  <a:srgbClr val="FFFF00"/>
+                </a:solidFill>
                 <a:latin typeface="微软雅黑" panose="020B0503020204020204" pitchFamily="34" charset="-122"/>
                 <a:ea typeface="微软雅黑" panose="020B0503020204020204" pitchFamily="34" charset="-122"/>
               </a:rPr>
               <a:t>binlog</a:t>
             </a:r>
             <a:r>
-              <a:rPr lang="zh-CN" altLang="en-US" sz="1200" dirty="0" smtClean="0">
-                <a:latin typeface="微软雅黑" panose="020B0503020204020204" pitchFamily="34" charset="-122"/>
-                <a:ea typeface="微软雅黑" panose="020B0503020204020204" pitchFamily="34" charset="-122"/>
-              </a:rPr>
-              <a:t>中找到第一个不在</a:t>
-            </a:r>
-            <a:r>
-              <a:rPr lang="en-US" altLang="zh-CN" sz="1200" dirty="0" err="1" smtClean="0">
-                <a:latin typeface="微软雅黑" panose="020B0503020204020204" pitchFamily="34" charset="-122"/>
-                <a:ea typeface="微软雅黑" panose="020B0503020204020204" pitchFamily="34" charset="-122"/>
-              </a:rPr>
-              <a:t>set_b</a:t>
-            </a:r>
-            <a:r>
-              <a:rPr lang="zh-CN" altLang="en-US" sz="1200" dirty="0" smtClean="0">
-                <a:latin typeface="微软雅黑" panose="020B0503020204020204" pitchFamily="34" charset="-122"/>
-                <a:ea typeface="微软雅黑" panose="020B0503020204020204" pitchFamily="34" charset="-122"/>
-              </a:rPr>
-              <a:t>的事务，从这里开始发送给</a:t>
-            </a:r>
-            <a:r>
-              <a:rPr lang="en-US" altLang="zh-CN" sz="1200" dirty="0" smtClean="0">
-                <a:latin typeface="微软雅黑" panose="020B0503020204020204" pitchFamily="34" charset="-122"/>
-                <a:ea typeface="微软雅黑" panose="020B0503020204020204" pitchFamily="34" charset="-122"/>
-              </a:rPr>
-              <a:t>B</a:t>
-            </a:r>
-            <a:r>
-              <a:rPr lang="zh-CN" altLang="en-US" sz="1200" dirty="0" smtClean="0">
-                <a:latin typeface="微软雅黑" panose="020B0503020204020204" pitchFamily="34" charset="-122"/>
-                <a:ea typeface="微软雅黑" panose="020B0503020204020204" pitchFamily="34" charset="-122"/>
-              </a:rPr>
-              <a:t>。</a:t>
-            </a:r>
-            <a:endParaRPr lang="en-US" altLang="zh-CN" sz="1200" dirty="0" smtClean="0">
-              <a:latin typeface="微软雅黑" panose="020B0503020204020204" pitchFamily="34" charset="-122"/>
-              <a:ea typeface="微软雅黑" panose="020B0503020204020204" pitchFamily="34" charset="-122"/>
+              <a:rPr lang="zh-CN" altLang="en-US" sz="1100" smtClean="0">
+                <a:solidFill>
+                  <a:srgbClr val="FFFF00"/>
+                </a:solidFill>
+                <a:latin typeface="微软雅黑" panose="020B0503020204020204" pitchFamily="34" charset="-122"/>
+                <a:ea typeface="微软雅黑" panose="020B0503020204020204" pitchFamily="34" charset="-122"/>
+              </a:rPr>
+              <a:t>中记录生成的</a:t>
+            </a:r>
+            <a:r>
+              <a:rPr lang="en-US" altLang="zh-CN" sz="1100" smtClean="0">
+                <a:solidFill>
+                  <a:srgbClr val="FFFF00"/>
+                </a:solidFill>
+                <a:latin typeface="微软雅黑" panose="020B0503020204020204" pitchFamily="34" charset="-122"/>
+                <a:ea typeface="微软雅黑" panose="020B0503020204020204" pitchFamily="34" charset="-122"/>
+              </a:rPr>
+              <a:t>gtid</a:t>
+            </a:r>
+            <a:endParaRPr lang="en-US" sz="1100">
+              <a:solidFill>
+                <a:srgbClr val="FFFF00"/>
+              </a:solidFill>
             </a:endParaRPr>
           </a:p>
         </p:txBody>
       </p:sp>
       <p:sp>
         <p:nvSpPr>
-          <p:cNvPr id="40" name="矩形标注 39"/>
+          <p:cNvPr id="23" name="矩形 22"/>
           <p:cNvSpPr/>
           <p:nvPr/>
         </p:nvSpPr>
         <p:spPr>
           <a:xfrm>
-            <a:off x="5838508" y="4450840"/>
+            <a:off x="1342291" y="5717974"/>
+            <a:ext cx="2762295" cy="261610"/>
+          </a:xfrm>
+          <a:prstGeom prst="rect">
+            <a:avLst/>
+          </a:prstGeom>
+        </p:spPr>
+        <p:txBody>
+          <a:bodyPr wrap="none">
+            <a:spAutoFit/>
+          </a:bodyPr>
+          <a:lstStyle/>
+          <a:p>
+            <a:r>
+              <a:rPr lang="zh-CN" altLang="en-US" sz="1100" smtClean="0">
+                <a:solidFill>
+                  <a:srgbClr val="FFFF00"/>
+                </a:solidFill>
+                <a:latin typeface="微软雅黑" panose="020B0503020204020204" pitchFamily="34" charset="-122"/>
+                <a:ea typeface="微软雅黑" panose="020B0503020204020204" pitchFamily="34" charset="-122"/>
+              </a:rPr>
+              <a:t>把生成的</a:t>
+            </a:r>
+            <a:r>
+              <a:rPr lang="en-US" altLang="zh-CN" sz="1100" smtClean="0">
+                <a:solidFill>
+                  <a:srgbClr val="FFFF00"/>
+                </a:solidFill>
+                <a:latin typeface="微软雅黑" panose="020B0503020204020204" pitchFamily="34" charset="-122"/>
+                <a:ea typeface="微软雅黑" panose="020B0503020204020204" pitchFamily="34" charset="-122"/>
+              </a:rPr>
+              <a:t>gtid</a:t>
+            </a:r>
+            <a:r>
+              <a:rPr lang="zh-CN" altLang="en-US" sz="1100" smtClean="0">
+                <a:solidFill>
+                  <a:srgbClr val="FFFF00"/>
+                </a:solidFill>
+                <a:latin typeface="微软雅黑" panose="020B0503020204020204" pitchFamily="34" charset="-122"/>
+                <a:ea typeface="微软雅黑" panose="020B0503020204020204" pitchFamily="34" charset="-122"/>
+              </a:rPr>
+              <a:t>加入到本实例的</a:t>
+            </a:r>
+            <a:r>
+              <a:rPr lang="en-US" altLang="zh-CN" sz="1100" smtClean="0">
+                <a:solidFill>
+                  <a:srgbClr val="FFFF00"/>
+                </a:solidFill>
+                <a:latin typeface="微软雅黑" panose="020B0503020204020204" pitchFamily="34" charset="-122"/>
+                <a:ea typeface="微软雅黑" panose="020B0503020204020204" pitchFamily="34" charset="-122"/>
+              </a:rPr>
+              <a:t>GTID</a:t>
+            </a:r>
+            <a:r>
+              <a:rPr lang="zh-CN" altLang="en-US" sz="1100" smtClean="0">
+                <a:solidFill>
+                  <a:srgbClr val="FFFF00"/>
+                </a:solidFill>
+                <a:latin typeface="微软雅黑" panose="020B0503020204020204" pitchFamily="34" charset="-122"/>
+                <a:ea typeface="微软雅黑" panose="020B0503020204020204" pitchFamily="34" charset="-122"/>
+              </a:rPr>
+              <a:t>集合中</a:t>
+            </a:r>
+            <a:endParaRPr lang="en-US" sz="1100">
+              <a:solidFill>
+                <a:srgbClr val="FFFF00"/>
+              </a:solidFill>
+            </a:endParaRPr>
+          </a:p>
+        </p:txBody>
+      </p:sp>
+      <p:sp>
+        <p:nvSpPr>
+          <p:cNvPr id="25" name="矩形标注 24"/>
+          <p:cNvSpPr/>
+          <p:nvPr/>
+        </p:nvSpPr>
+        <p:spPr>
+          <a:xfrm>
+            <a:off x="8637367" y="1703520"/>
             <a:ext cx="2863036" cy="529588"/>
           </a:xfrm>
           <a:prstGeom prst="wedgeRectCallout">
             <a:avLst>
-              <a:gd name="adj1" fmla="val -74475"/>
-              <a:gd name="adj2" fmla="val -139944"/>
+              <a:gd name="adj1" fmla="val 23561"/>
+              <a:gd name="adj2" fmla="val 339007"/>
             </a:avLst>
           </a:prstGeom>
           <a:solidFill>
@@ -8749,31 +8866,224 @@
           <a:bodyPr rtlCol="0" anchor="ctr"/>
           <a:lstStyle/>
           <a:p>
-            <a:r>
-              <a:rPr lang="zh-CN" altLang="en-US" sz="1400" dirty="0" smtClean="0">
-                <a:latin typeface="微软雅黑" panose="020B0503020204020204" pitchFamily="34" charset="-122"/>
-                <a:ea typeface="微软雅黑" panose="020B0503020204020204" pitchFamily="34" charset="-122"/>
-              </a:rPr>
-              <a:t>每个执行过的事务的</a:t>
-            </a:r>
-            <a:r>
-              <a:rPr lang="en-US" altLang="zh-CN" sz="1400" dirty="0" err="1" smtClean="0">
-                <a:latin typeface="微软雅黑" panose="020B0503020204020204" pitchFamily="34" charset="-122"/>
-                <a:ea typeface="微软雅黑" panose="020B0503020204020204" pitchFamily="34" charset="-122"/>
-              </a:rPr>
-              <a:t>gtid</a:t>
-            </a:r>
-            <a:r>
-              <a:rPr lang="zh-CN" altLang="en-US" sz="1400" dirty="0" smtClean="0">
-                <a:latin typeface="微软雅黑" panose="020B0503020204020204" pitchFamily="34" charset="-122"/>
-                <a:ea typeface="微软雅黑" panose="020B0503020204020204" pitchFamily="34" charset="-122"/>
-              </a:rPr>
-              <a:t>组成一个集合。</a:t>
-            </a:r>
             <a:endParaRPr lang="en-US" altLang="zh-CN" sz="1400" dirty="0" smtClean="0">
               <a:latin typeface="微软雅黑" panose="020B0503020204020204" pitchFamily="34" charset="-122"/>
               <a:ea typeface="微软雅黑" panose="020B0503020204020204" pitchFamily="34" charset="-122"/>
             </a:endParaRPr>
+          </a:p>
+        </p:txBody>
+      </p:sp>
+      <p:sp>
+        <p:nvSpPr>
+          <p:cNvPr id="24" name="矩形标注 23"/>
+          <p:cNvSpPr/>
+          <p:nvPr/>
+        </p:nvSpPr>
+        <p:spPr>
+          <a:xfrm>
+            <a:off x="8637367" y="1700785"/>
+            <a:ext cx="2863036" cy="529588"/>
+          </a:xfrm>
+          <a:prstGeom prst="wedgeRectCallout">
+            <a:avLst>
+              <a:gd name="adj1" fmla="val -51146"/>
+              <a:gd name="adj2" fmla="val 179857"/>
+            </a:avLst>
+          </a:prstGeom>
+          <a:solidFill>
+            <a:schemeClr val="tx1">
+              <a:lumMod val="85000"/>
+              <a:alpha val="50000"/>
+            </a:schemeClr>
+          </a:solidFill>
+          <a:ln>
+            <a:noFill/>
+          </a:ln>
+        </p:spPr>
+        <p:style>
+          <a:lnRef idx="0">
+            <a:scrgbClr r="0" g="0" b="0"/>
+          </a:lnRef>
+          <a:fillRef idx="0">
+            <a:scrgbClr r="0" g="0" b="0"/>
+          </a:fillRef>
+          <a:effectRef idx="0">
+            <a:scrgbClr r="0" g="0" b="0"/>
+          </a:effectRef>
+          <a:fontRef idx="minor">
+            <a:schemeClr val="lt1"/>
+          </a:fontRef>
+        </p:style>
+        <p:txBody>
+          <a:bodyPr rtlCol="0" anchor="ctr"/>
+          <a:lstStyle/>
+          <a:p>
+            <a:r>
+              <a:rPr lang="zh-CN" altLang="en-US" sz="1400" smtClean="0">
+                <a:latin typeface="微软雅黑" panose="020B0503020204020204" pitchFamily="34" charset="-122"/>
+                <a:ea typeface="微软雅黑" panose="020B0503020204020204" pitchFamily="34" charset="-122"/>
+              </a:rPr>
+              <a:t>两条语句生成的</a:t>
+            </a:r>
+            <a:r>
+              <a:rPr lang="en-US" altLang="zh-CN" sz="1400" smtClean="0">
+                <a:latin typeface="微软雅黑" panose="020B0503020204020204" pitchFamily="34" charset="-122"/>
+                <a:ea typeface="微软雅黑" panose="020B0503020204020204" pitchFamily="34" charset="-122"/>
+              </a:rPr>
+              <a:t>GITD</a:t>
+            </a:r>
+            <a:r>
+              <a:rPr lang="zh-CN" altLang="en-US" sz="1400" smtClean="0">
+                <a:latin typeface="微软雅黑" panose="020B0503020204020204" pitchFamily="34" charset="-122"/>
+                <a:ea typeface="微软雅黑" panose="020B0503020204020204" pitchFamily="34" charset="-122"/>
+              </a:rPr>
+              <a:t>，放在执行语句前的</a:t>
+            </a:r>
+            <a:r>
+              <a:rPr lang="en-US" altLang="zh-CN" sz="1400" smtClean="0">
+                <a:latin typeface="微软雅黑" panose="020B0503020204020204" pitchFamily="34" charset="-122"/>
+                <a:ea typeface="微软雅黑" panose="020B0503020204020204" pitchFamily="34" charset="-122"/>
+              </a:rPr>
+              <a:t>SET</a:t>
+            </a:r>
+            <a:r>
+              <a:rPr lang="zh-CN" altLang="en-US" sz="1400" smtClean="0">
+                <a:latin typeface="微软雅黑" panose="020B0503020204020204" pitchFamily="34" charset="-122"/>
+                <a:ea typeface="微软雅黑" panose="020B0503020204020204" pitchFamily="34" charset="-122"/>
+              </a:rPr>
+              <a:t>命令中。</a:t>
+            </a:r>
+            <a:endParaRPr lang="en-US" altLang="zh-CN" sz="1400" dirty="0" smtClean="0">
+              <a:latin typeface="微软雅黑" panose="020B0503020204020204" pitchFamily="34" charset="-122"/>
+              <a:ea typeface="微软雅黑" panose="020B0503020204020204" pitchFamily="34" charset="-122"/>
+            </a:endParaRPr>
+          </a:p>
+        </p:txBody>
+      </p:sp>
+      <p:sp>
+        <p:nvSpPr>
+          <p:cNvPr id="26" name="矩形标注 25"/>
+          <p:cNvSpPr/>
+          <p:nvPr/>
+        </p:nvSpPr>
+        <p:spPr>
+          <a:xfrm>
+            <a:off x="9295075" y="5714790"/>
+            <a:ext cx="2863036" cy="529588"/>
+          </a:xfrm>
+          <a:prstGeom prst="wedgeRectCallout">
+            <a:avLst>
+              <a:gd name="adj1" fmla="val -79752"/>
+              <a:gd name="adj2" fmla="val 64248"/>
+            </a:avLst>
+          </a:prstGeom>
+          <a:solidFill>
+            <a:schemeClr val="tx1">
+              <a:lumMod val="85000"/>
+              <a:alpha val="50000"/>
+            </a:schemeClr>
+          </a:solidFill>
+          <a:ln>
+            <a:noFill/>
+          </a:ln>
+        </p:spPr>
+        <p:style>
+          <a:lnRef idx="0">
+            <a:scrgbClr r="0" g="0" b="0"/>
+          </a:lnRef>
+          <a:fillRef idx="0">
+            <a:scrgbClr r="0" g="0" b="0"/>
+          </a:fillRef>
+          <a:effectRef idx="0">
+            <a:scrgbClr r="0" g="0" b="0"/>
+          </a:effectRef>
+          <a:fontRef idx="minor">
+            <a:schemeClr val="lt1"/>
+          </a:fontRef>
+        </p:style>
+        <p:txBody>
+          <a:bodyPr rtlCol="0" anchor="ctr"/>
+          <a:lstStyle/>
+          <a:p>
+            <a:r>
+              <a:rPr lang="zh-CN" altLang="en-US" sz="1400" smtClean="0">
+                <a:latin typeface="微软雅黑" panose="020B0503020204020204" pitchFamily="34" charset="-122"/>
+                <a:ea typeface="微软雅黑" panose="020B0503020204020204" pitchFamily="34" charset="-122"/>
+              </a:rPr>
+              <a:t>两条语句生成的</a:t>
+            </a:r>
+            <a:r>
+              <a:rPr lang="en-US" altLang="zh-CN" sz="1400" smtClean="0">
+                <a:latin typeface="微软雅黑" panose="020B0503020204020204" pitchFamily="34" charset="-122"/>
+                <a:ea typeface="微软雅黑" panose="020B0503020204020204" pitchFamily="34" charset="-122"/>
+              </a:rPr>
+              <a:t>GITD</a:t>
+            </a:r>
+            <a:r>
+              <a:rPr lang="zh-CN" altLang="en-US" sz="1400" smtClean="0">
+                <a:latin typeface="微软雅黑" panose="020B0503020204020204" pitchFamily="34" charset="-122"/>
+                <a:ea typeface="微软雅黑" panose="020B0503020204020204" pitchFamily="34" charset="-122"/>
+              </a:rPr>
+              <a:t>，放在本实例的</a:t>
+            </a:r>
+            <a:r>
+              <a:rPr lang="en-US" altLang="zh-CN" sz="1400" smtClean="0">
+                <a:latin typeface="微软雅黑" panose="020B0503020204020204" pitchFamily="34" charset="-122"/>
+                <a:ea typeface="微软雅黑" panose="020B0503020204020204" pitchFamily="34" charset="-122"/>
+              </a:rPr>
+              <a:t>GTID</a:t>
+            </a:r>
+            <a:r>
+              <a:rPr lang="zh-CN" altLang="en-US" sz="1400" smtClean="0">
+                <a:latin typeface="微软雅黑" panose="020B0503020204020204" pitchFamily="34" charset="-122"/>
+                <a:ea typeface="微软雅黑" panose="020B0503020204020204" pitchFamily="34" charset="-122"/>
+              </a:rPr>
+              <a:t>集合中</a:t>
+            </a:r>
+            <a:endParaRPr lang="en-US" altLang="zh-CN" sz="1400" dirty="0" smtClean="0">
+              <a:latin typeface="微软雅黑" panose="020B0503020204020204" pitchFamily="34" charset="-122"/>
+              <a:ea typeface="微软雅黑" panose="020B0503020204020204" pitchFamily="34" charset="-122"/>
+            </a:endParaRPr>
+          </a:p>
+        </p:txBody>
+      </p:sp>
+      <p:sp>
+        <p:nvSpPr>
+          <p:cNvPr id="14" name="矩形 13"/>
+          <p:cNvSpPr/>
+          <p:nvPr/>
+        </p:nvSpPr>
+        <p:spPr>
+          <a:xfrm>
+            <a:off x="4150063" y="6422800"/>
+            <a:ext cx="2918643" cy="105221"/>
+          </a:xfrm>
+          <a:prstGeom prst="rect">
+            <a:avLst/>
+          </a:prstGeom>
+        </p:spPr>
+        <p:style>
+          <a:lnRef idx="2">
+            <a:schemeClr val="accent1">
+              <a:shade val="50000"/>
+            </a:schemeClr>
+          </a:lnRef>
+          <a:fillRef idx="1">
+            <a:schemeClr val="accent1"/>
+          </a:fillRef>
+          <a:effectRef idx="0">
+            <a:schemeClr val="accent1"/>
+          </a:effectRef>
+          <a:fontRef idx="minor">
+            <a:schemeClr val="lt1"/>
+          </a:fontRef>
+        </p:style>
+        <p:txBody>
+          <a:bodyPr rtlCol="0" anchor="ctr"/>
+          <a:lstStyle/>
+          <a:p>
+            <a:pPr algn="ctr"/>
+            <a:endParaRPr lang="en-US"/>
           </a:p>
         </p:txBody>
       </p:sp>
@@ -8848,10 +9158,6 @@
               </a:rPr>
               <a:t>主库出问题了，从库怎么办？</a:t>
             </a:r>
-            <a:endParaRPr lang="zh-CN" altLang="en-US" sz="3200" b="1" dirty="0">
-              <a:latin typeface="微软雅黑" panose="020B0503020204020204" pitchFamily="34" charset="-122"/>
-              <a:ea typeface="微软雅黑" panose="020B0503020204020204" pitchFamily="34" charset="-122"/>
-            </a:endParaRPr>
           </a:p>
         </p:txBody>
       </p:sp>
@@ -8864,7 +9170,7 @@
         <p:spPr>
           <a:xfrm>
             <a:off x="114300" y="842111"/>
-            <a:ext cx="6591741" cy="369332"/>
+            <a:ext cx="4521366" cy="369332"/>
           </a:xfrm>
           <a:prstGeom prst="rect">
             <a:avLst/>
@@ -8893,6 +9199,1737 @@
               <a:defRPr/>
             </a:pPr>
             <a:r>
+              <a:rPr lang="en-US" altLang="zh-CN" b="1" smtClean="0">
+                <a:ln/>
+                <a:solidFill>
+                  <a:srgbClr val="4FD1FF"/>
+                </a:solidFill>
+                <a:latin typeface="微软雅黑" panose="020B0503020204020204" pitchFamily="34" charset="-122"/>
+                <a:ea typeface="微软雅黑" panose="020B0503020204020204" pitchFamily="34" charset="-122"/>
+              </a:rPr>
+              <a:t>GTID</a:t>
+            </a:r>
+            <a:r>
+              <a:rPr lang="zh-CN" altLang="en-US" b="1" smtClean="0">
+                <a:ln/>
+                <a:solidFill>
+                  <a:srgbClr val="4FD1FF"/>
+                </a:solidFill>
+                <a:latin typeface="微软雅黑" panose="020B0503020204020204" pitchFamily="34" charset="-122"/>
+                <a:ea typeface="微软雅黑" panose="020B0503020204020204" pitchFamily="34" charset="-122"/>
+              </a:rPr>
+              <a:t>（</a:t>
+            </a:r>
+            <a:r>
+              <a:rPr lang="en-US" altLang="zh-CN" b="1">
+                <a:ln/>
+                <a:solidFill>
+                  <a:srgbClr val="4FD1FF"/>
+                </a:solidFill>
+                <a:latin typeface="微软雅黑" panose="020B0503020204020204" pitchFamily="34" charset="-122"/>
+                <a:ea typeface="微软雅黑" panose="020B0503020204020204" pitchFamily="34" charset="-122"/>
+              </a:rPr>
+              <a:t>Global Transaction </a:t>
+            </a:r>
+            <a:r>
+              <a:rPr lang="en-US" altLang="zh-CN" b="1">
+                <a:ln/>
+                <a:solidFill>
+                  <a:srgbClr val="4FD1FF"/>
+                </a:solidFill>
+                <a:latin typeface="微软雅黑" panose="020B0503020204020204" pitchFamily="34" charset="-122"/>
+                <a:ea typeface="微软雅黑" panose="020B0503020204020204" pitchFamily="34" charset="-122"/>
+              </a:rPr>
+              <a:t>Identifier</a:t>
+            </a:r>
+            <a:r>
+              <a:rPr lang="zh-CN" altLang="en-US" b="1" smtClean="0">
+                <a:ln/>
+                <a:solidFill>
+                  <a:srgbClr val="4FD1FF"/>
+                </a:solidFill>
+                <a:latin typeface="微软雅黑" panose="020B0503020204020204" pitchFamily="34" charset="-122"/>
+                <a:ea typeface="微软雅黑" panose="020B0503020204020204" pitchFamily="34" charset="-122"/>
+              </a:rPr>
+              <a:t>）</a:t>
+            </a:r>
+            <a:endParaRPr lang="en-US" altLang="zh-CN" b="1" dirty="0" smtClean="0">
+              <a:ln/>
+              <a:solidFill>
+                <a:srgbClr val="4FD1FF"/>
+              </a:solidFill>
+              <a:latin typeface="微软雅黑" panose="020B0503020204020204" pitchFamily="34" charset="-122"/>
+              <a:ea typeface="微软雅黑" panose="020B0503020204020204" pitchFamily="34" charset="-122"/>
+            </a:endParaRPr>
+          </a:p>
+        </p:txBody>
+      </p:sp>
+      <p:sp>
+        <p:nvSpPr>
+          <p:cNvPr id="28" name="矩形 27"/>
+          <p:cNvSpPr/>
+          <p:nvPr/>
+        </p:nvSpPr>
+        <p:spPr>
+          <a:xfrm>
+            <a:off x="114300" y="1279079"/>
+            <a:ext cx="7469124" cy="276999"/>
+          </a:xfrm>
+          <a:prstGeom prst="rect">
+            <a:avLst/>
+          </a:prstGeom>
+        </p:spPr>
+        <p:txBody>
+          <a:bodyPr wrap="square">
+            <a:spAutoFit/>
+          </a:bodyPr>
+          <a:lstStyle/>
+          <a:p>
+            <a:r>
+              <a:rPr lang="zh-CN" altLang="en-US" sz="1200" smtClean="0">
+                <a:solidFill>
+                  <a:srgbClr val="92D050"/>
+                </a:solidFill>
+                <a:latin typeface="微软雅黑" panose="020B0503020204020204" pitchFamily="34" charset="-122"/>
+                <a:ea typeface="微软雅黑" panose="020B0503020204020204" pitchFamily="34" charset="-122"/>
+              </a:rPr>
+              <a:t>如何跳过主库传过来的某个</a:t>
+            </a:r>
+            <a:r>
+              <a:rPr lang="en-US" altLang="zh-CN" sz="1200" smtClean="0">
+                <a:solidFill>
+                  <a:srgbClr val="92D050"/>
+                </a:solidFill>
+                <a:latin typeface="微软雅黑" panose="020B0503020204020204" pitchFamily="34" charset="-122"/>
+                <a:ea typeface="微软雅黑" panose="020B0503020204020204" pitchFamily="34" charset="-122"/>
+              </a:rPr>
+              <a:t>GTID</a:t>
+            </a:r>
+            <a:r>
+              <a:rPr lang="zh-CN" altLang="en-US" sz="1200" smtClean="0">
+                <a:solidFill>
+                  <a:srgbClr val="92D050"/>
+                </a:solidFill>
+                <a:latin typeface="微软雅黑" panose="020B0503020204020204" pitchFamily="34" charset="-122"/>
+                <a:ea typeface="微软雅黑" panose="020B0503020204020204" pitchFamily="34" charset="-122"/>
+              </a:rPr>
+              <a:t>代表的事务？</a:t>
+            </a:r>
+            <a:r>
+              <a:rPr lang="zh-CN" altLang="en-US" sz="1200" smtClean="0">
+                <a:solidFill>
+                  <a:srgbClr val="92D050"/>
+                </a:solidFill>
+                <a:latin typeface="微软雅黑" panose="020B0503020204020204" pitchFamily="34" charset="-122"/>
+                <a:ea typeface="微软雅黑" panose="020B0503020204020204" pitchFamily="34" charset="-122"/>
+              </a:rPr>
+              <a:t>（假设是</a:t>
+            </a:r>
+            <a:r>
+              <a:rPr lang="en-US" sz="1200">
+                <a:latin typeface="微软雅黑" panose="020B0503020204020204" pitchFamily="34" charset="-122"/>
+                <a:ea typeface="微软雅黑" panose="020B0503020204020204" pitchFamily="34" charset="-122"/>
+              </a:rPr>
+              <a:t>aaaaaaaa-cccc-dddd-eeee-ffffffffffff:10</a:t>
+            </a:r>
+            <a:r>
+              <a:rPr lang="zh-CN" altLang="en-US" sz="1200" smtClean="0">
+                <a:solidFill>
+                  <a:srgbClr val="92D050"/>
+                </a:solidFill>
+                <a:latin typeface="微软雅黑" panose="020B0503020204020204" pitchFamily="34" charset="-122"/>
+                <a:ea typeface="微软雅黑" panose="020B0503020204020204" pitchFamily="34" charset="-122"/>
+              </a:rPr>
+              <a:t>）</a:t>
+            </a:r>
+            <a:endParaRPr lang="en-US" altLang="zh-CN" sz="1200" dirty="0" smtClean="0">
+              <a:solidFill>
+                <a:srgbClr val="92D050"/>
+              </a:solidFill>
+              <a:latin typeface="微软雅黑" panose="020B0503020204020204" pitchFamily="34" charset="-122"/>
+              <a:ea typeface="微软雅黑" panose="020B0503020204020204" pitchFamily="34" charset="-122"/>
+            </a:endParaRPr>
+          </a:p>
+        </p:txBody>
+      </p:sp>
+      <p:sp>
+        <p:nvSpPr>
+          <p:cNvPr id="4" name="矩形 3"/>
+          <p:cNvSpPr/>
+          <p:nvPr/>
+        </p:nvSpPr>
+        <p:spPr>
+          <a:xfrm>
+            <a:off x="114299" y="1623714"/>
+            <a:ext cx="8266375" cy="1569660"/>
+          </a:xfrm>
+          <a:prstGeom prst="rect">
+            <a:avLst/>
+          </a:prstGeom>
+        </p:spPr>
+        <p:txBody>
+          <a:bodyPr wrap="square">
+            <a:spAutoFit/>
+          </a:bodyPr>
+          <a:lstStyle/>
+          <a:p>
+            <a:r>
+              <a:rPr lang="en-US" sz="1200" smtClean="0">
+                <a:solidFill>
+                  <a:schemeClr val="accent6">
+                    <a:lumMod val="60000"/>
+                    <a:lumOff val="40000"/>
+                  </a:schemeClr>
+                </a:solidFill>
+                <a:latin typeface="微软雅黑" panose="020B0503020204020204" pitchFamily="34" charset="-122"/>
+                <a:ea typeface="微软雅黑" panose="020B0503020204020204" pitchFamily="34" charset="-122"/>
+              </a:rPr>
+              <a:t># </a:t>
+            </a:r>
+            <a:r>
+              <a:rPr lang="zh-CN" altLang="en-US" sz="1200" smtClean="0">
+                <a:solidFill>
+                  <a:schemeClr val="accent6">
+                    <a:lumMod val="60000"/>
+                    <a:lumOff val="40000"/>
+                  </a:schemeClr>
+                </a:solidFill>
+                <a:latin typeface="微软雅黑" panose="020B0503020204020204" pitchFamily="34" charset="-122"/>
+                <a:ea typeface="微软雅黑" panose="020B0503020204020204" pitchFamily="34" charset="-122"/>
+              </a:rPr>
+              <a:t>通</a:t>
+            </a:r>
+            <a:r>
+              <a:rPr lang="zh-CN" altLang="en-US" sz="1200">
+                <a:solidFill>
+                  <a:schemeClr val="accent6">
+                    <a:lumMod val="60000"/>
+                    <a:lumOff val="40000"/>
+                  </a:schemeClr>
+                </a:solidFill>
+                <a:latin typeface="微软雅黑" panose="020B0503020204020204" pitchFamily="34" charset="-122"/>
+                <a:ea typeface="微软雅黑" panose="020B0503020204020204" pitchFamily="34" charset="-122"/>
+              </a:rPr>
+              <a:t>过提交一个空事务，把这个 </a:t>
+            </a:r>
+            <a:r>
+              <a:rPr lang="en-US" altLang="zh-CN" sz="1200">
+                <a:solidFill>
+                  <a:schemeClr val="accent6">
+                    <a:lumMod val="60000"/>
+                    <a:lumOff val="40000"/>
+                  </a:schemeClr>
+                </a:solidFill>
+                <a:latin typeface="微软雅黑" panose="020B0503020204020204" pitchFamily="34" charset="-122"/>
+                <a:ea typeface="微软雅黑" panose="020B0503020204020204" pitchFamily="34" charset="-122"/>
+              </a:rPr>
+              <a:t>GTID </a:t>
+            </a:r>
+            <a:r>
+              <a:rPr lang="zh-CN" altLang="en-US" sz="1200">
+                <a:solidFill>
+                  <a:schemeClr val="accent6">
+                    <a:lumMod val="60000"/>
+                    <a:lumOff val="40000"/>
+                  </a:schemeClr>
+                </a:solidFill>
+                <a:latin typeface="微软雅黑" panose="020B0503020204020204" pitchFamily="34" charset="-122"/>
+                <a:ea typeface="微软雅黑" panose="020B0503020204020204" pitchFamily="34" charset="-122"/>
+              </a:rPr>
+              <a:t>加到实例 </a:t>
+            </a:r>
+            <a:r>
+              <a:rPr lang="en-US" altLang="zh-CN" sz="1200">
+                <a:solidFill>
+                  <a:schemeClr val="accent6">
+                    <a:lumMod val="60000"/>
+                    <a:lumOff val="40000"/>
+                  </a:schemeClr>
+                </a:solidFill>
+                <a:latin typeface="微软雅黑" panose="020B0503020204020204" pitchFamily="34" charset="-122"/>
+                <a:ea typeface="微软雅黑" panose="020B0503020204020204" pitchFamily="34" charset="-122"/>
+              </a:rPr>
+              <a:t>X </a:t>
+            </a:r>
+            <a:r>
+              <a:rPr lang="zh-CN" altLang="en-US" sz="1200">
+                <a:solidFill>
+                  <a:schemeClr val="accent6">
+                    <a:lumMod val="60000"/>
+                    <a:lumOff val="40000"/>
+                  </a:schemeClr>
+                </a:solidFill>
+                <a:latin typeface="微软雅黑" panose="020B0503020204020204" pitchFamily="34" charset="-122"/>
+                <a:ea typeface="微软雅黑" panose="020B0503020204020204" pitchFamily="34" charset="-122"/>
+              </a:rPr>
+              <a:t>的 </a:t>
+            </a:r>
+            <a:r>
+              <a:rPr lang="en-US" altLang="zh-CN" sz="1200">
+                <a:solidFill>
+                  <a:schemeClr val="accent6">
+                    <a:lumMod val="60000"/>
+                    <a:lumOff val="40000"/>
+                  </a:schemeClr>
+                </a:solidFill>
+                <a:latin typeface="微软雅黑" panose="020B0503020204020204" pitchFamily="34" charset="-122"/>
+                <a:ea typeface="微软雅黑" panose="020B0503020204020204" pitchFamily="34" charset="-122"/>
+              </a:rPr>
+              <a:t>GTID </a:t>
+            </a:r>
+            <a:r>
+              <a:rPr lang="zh-CN" altLang="en-US" sz="1200">
+                <a:solidFill>
+                  <a:schemeClr val="accent6">
+                    <a:lumMod val="60000"/>
+                    <a:lumOff val="40000"/>
+                  </a:schemeClr>
+                </a:solidFill>
+                <a:latin typeface="微软雅黑" panose="020B0503020204020204" pitchFamily="34" charset="-122"/>
+                <a:ea typeface="微软雅黑" panose="020B0503020204020204" pitchFamily="34" charset="-122"/>
+              </a:rPr>
+              <a:t>集</a:t>
+            </a:r>
+            <a:r>
+              <a:rPr lang="zh-CN" altLang="en-US" sz="1200">
+                <a:solidFill>
+                  <a:schemeClr val="accent6">
+                    <a:lumMod val="60000"/>
+                    <a:lumOff val="40000"/>
+                  </a:schemeClr>
+                </a:solidFill>
+                <a:latin typeface="微软雅黑" panose="020B0503020204020204" pitchFamily="34" charset="-122"/>
+                <a:ea typeface="微软雅黑" panose="020B0503020204020204" pitchFamily="34" charset="-122"/>
+              </a:rPr>
+              <a:t>合</a:t>
+            </a:r>
+            <a:r>
+              <a:rPr lang="zh-CN" altLang="en-US" sz="1200" smtClean="0">
+                <a:solidFill>
+                  <a:schemeClr val="accent6">
+                    <a:lumMod val="60000"/>
+                    <a:lumOff val="40000"/>
+                  </a:schemeClr>
+                </a:solidFill>
+                <a:latin typeface="微软雅黑" panose="020B0503020204020204" pitchFamily="34" charset="-122"/>
+                <a:ea typeface="微软雅黑" panose="020B0503020204020204" pitchFamily="34" charset="-122"/>
+              </a:rPr>
+              <a:t>中</a:t>
+            </a:r>
+            <a:endParaRPr lang="en-US" sz="1200">
+              <a:solidFill>
+                <a:schemeClr val="accent6">
+                  <a:lumMod val="60000"/>
+                  <a:lumOff val="40000"/>
+                </a:schemeClr>
+              </a:solidFill>
+              <a:latin typeface="微软雅黑" panose="020B0503020204020204" pitchFamily="34" charset="-122"/>
+              <a:ea typeface="微软雅黑" panose="020B0503020204020204" pitchFamily="34" charset="-122"/>
+            </a:endParaRPr>
+          </a:p>
+          <a:p>
+            <a:r>
+              <a:rPr lang="en-US" sz="1200" smtClean="0">
+                <a:latin typeface="微软雅黑" panose="020B0503020204020204" pitchFamily="34" charset="-122"/>
+                <a:ea typeface="微软雅黑" panose="020B0503020204020204" pitchFamily="34" charset="-122"/>
+              </a:rPr>
+              <a:t>set </a:t>
+            </a:r>
+            <a:r>
+              <a:rPr lang="en-US" sz="1200">
+                <a:latin typeface="微软雅黑" panose="020B0503020204020204" pitchFamily="34" charset="-122"/>
+                <a:ea typeface="微软雅黑" panose="020B0503020204020204" pitchFamily="34" charset="-122"/>
+              </a:rPr>
+              <a:t>gtid_next=</a:t>
+            </a:r>
+            <a:r>
+              <a:rPr lang="en-US" sz="1200">
+                <a:latin typeface="微软雅黑" panose="020B0503020204020204" pitchFamily="34" charset="-122"/>
+                <a:ea typeface="微软雅黑" panose="020B0503020204020204" pitchFamily="34" charset="-122"/>
+              </a:rPr>
+              <a:t>'aaaaaaaa-cccc-dddd-eeee-ffffffffffff:10</a:t>
+            </a:r>
+            <a:r>
+              <a:rPr lang="en-US" sz="1200" smtClean="0">
+                <a:latin typeface="微软雅黑" panose="020B0503020204020204" pitchFamily="34" charset="-122"/>
+                <a:ea typeface="微软雅黑" panose="020B0503020204020204" pitchFamily="34" charset="-122"/>
+              </a:rPr>
+              <a:t>';</a:t>
+            </a:r>
+          </a:p>
+          <a:p>
+            <a:r>
+              <a:rPr lang="en-US" sz="1200" smtClean="0">
+                <a:latin typeface="微软雅黑" panose="020B0503020204020204" pitchFamily="34" charset="-122"/>
+                <a:ea typeface="微软雅黑" panose="020B0503020204020204" pitchFamily="34" charset="-122"/>
+              </a:rPr>
+              <a:t>begin;</a:t>
+            </a:r>
+          </a:p>
+          <a:p>
+            <a:r>
+              <a:rPr lang="en-US" sz="1200" smtClean="0">
+                <a:latin typeface="微软雅黑" panose="020B0503020204020204" pitchFamily="34" charset="-122"/>
+                <a:ea typeface="微软雅黑" panose="020B0503020204020204" pitchFamily="34" charset="-122"/>
+              </a:rPr>
+              <a:t>commit;</a:t>
+            </a:r>
+          </a:p>
+          <a:p>
+            <a:endParaRPr lang="en-US" sz="1200" smtClean="0">
+              <a:latin typeface="微软雅黑" panose="020B0503020204020204" pitchFamily="34" charset="-122"/>
+              <a:ea typeface="微软雅黑" panose="020B0503020204020204" pitchFamily="34" charset="-122"/>
+            </a:endParaRPr>
+          </a:p>
+          <a:p>
+            <a:r>
+              <a:rPr lang="en-US" sz="1200" smtClean="0">
+                <a:solidFill>
+                  <a:schemeClr val="accent6">
+                    <a:lumMod val="60000"/>
+                    <a:lumOff val="40000"/>
+                  </a:schemeClr>
+                </a:solidFill>
+                <a:latin typeface="微软雅黑" panose="020B0503020204020204" pitchFamily="34" charset="-122"/>
+                <a:ea typeface="微软雅黑" panose="020B0503020204020204" pitchFamily="34" charset="-122"/>
+              </a:rPr>
+              <a:t># </a:t>
+            </a:r>
+            <a:r>
+              <a:rPr lang="zh-CN" altLang="en-US" sz="1200">
+                <a:solidFill>
+                  <a:schemeClr val="accent6">
+                    <a:lumMod val="60000"/>
+                    <a:lumOff val="40000"/>
+                  </a:schemeClr>
+                </a:solidFill>
+                <a:latin typeface="微软雅黑" panose="020B0503020204020204" pitchFamily="34" charset="-122"/>
+                <a:ea typeface="微软雅黑" panose="020B0503020204020204" pitchFamily="34" charset="-122"/>
+              </a:rPr>
+              <a:t>恢复 </a:t>
+            </a:r>
+            <a:r>
+              <a:rPr lang="en-US" altLang="zh-CN" sz="1200">
+                <a:solidFill>
+                  <a:schemeClr val="accent6">
+                    <a:lumMod val="60000"/>
+                    <a:lumOff val="40000"/>
+                  </a:schemeClr>
+                </a:solidFill>
+                <a:latin typeface="微软雅黑" panose="020B0503020204020204" pitchFamily="34" charset="-122"/>
+                <a:ea typeface="微软雅黑" panose="020B0503020204020204" pitchFamily="34" charset="-122"/>
+              </a:rPr>
+              <a:t>GTID </a:t>
+            </a:r>
+            <a:r>
+              <a:rPr lang="zh-CN" altLang="en-US" sz="1200">
+                <a:solidFill>
+                  <a:schemeClr val="accent6">
+                    <a:lumMod val="60000"/>
+                    <a:lumOff val="40000"/>
+                  </a:schemeClr>
+                </a:solidFill>
+                <a:latin typeface="微软雅黑" panose="020B0503020204020204" pitchFamily="34" charset="-122"/>
+                <a:ea typeface="微软雅黑" panose="020B0503020204020204" pitchFamily="34" charset="-122"/>
+              </a:rPr>
+              <a:t>的默认分配行为</a:t>
+            </a:r>
+            <a:r>
+              <a:rPr lang="zh-CN" altLang="en-US" sz="1200">
+                <a:solidFill>
+                  <a:schemeClr val="accent6">
+                    <a:lumMod val="60000"/>
+                    <a:lumOff val="40000"/>
+                  </a:schemeClr>
+                </a:solidFill>
+                <a:latin typeface="微软雅黑" panose="020B0503020204020204" pitchFamily="34" charset="-122"/>
+                <a:ea typeface="微软雅黑" panose="020B0503020204020204" pitchFamily="34" charset="-122"/>
+              </a:rPr>
+              <a:t>”</a:t>
+            </a:r>
+            <a:r>
+              <a:rPr lang="zh-CN" altLang="en-US" sz="1200" smtClean="0">
+                <a:solidFill>
+                  <a:schemeClr val="accent6">
+                    <a:lumMod val="60000"/>
+                    <a:lumOff val="40000"/>
+                  </a:schemeClr>
+                </a:solidFill>
+                <a:latin typeface="微软雅黑" panose="020B0503020204020204" pitchFamily="34" charset="-122"/>
+                <a:ea typeface="微软雅黑" panose="020B0503020204020204" pitchFamily="34" charset="-122"/>
+              </a:rPr>
+              <a:t>，之</a:t>
+            </a:r>
+            <a:r>
+              <a:rPr lang="zh-CN" altLang="en-US" sz="1200">
+                <a:solidFill>
+                  <a:schemeClr val="accent6">
+                    <a:lumMod val="60000"/>
+                    <a:lumOff val="40000"/>
+                  </a:schemeClr>
+                </a:solidFill>
+                <a:latin typeface="微软雅黑" panose="020B0503020204020204" pitchFamily="34" charset="-122"/>
+                <a:ea typeface="微软雅黑" panose="020B0503020204020204" pitchFamily="34" charset="-122"/>
+              </a:rPr>
+              <a:t>后有新的事务再执行，就还是按照原来的分配方式，继续分配 </a:t>
+            </a:r>
+            <a:r>
+              <a:rPr lang="en-US" altLang="zh-CN" sz="1200">
+                <a:solidFill>
+                  <a:schemeClr val="accent6">
+                    <a:lumMod val="60000"/>
+                    <a:lumOff val="40000"/>
+                  </a:schemeClr>
+                </a:solidFill>
+                <a:latin typeface="微软雅黑" panose="020B0503020204020204" pitchFamily="34" charset="-122"/>
+                <a:ea typeface="微软雅黑" panose="020B0503020204020204" pitchFamily="34" charset="-122"/>
+              </a:rPr>
+              <a:t>gno=3</a:t>
+            </a:r>
+            <a:endParaRPr lang="en-US" sz="1200" smtClean="0">
+              <a:solidFill>
+                <a:schemeClr val="accent6">
+                  <a:lumMod val="60000"/>
+                  <a:lumOff val="40000"/>
+                </a:schemeClr>
+              </a:solidFill>
+              <a:latin typeface="微软雅黑" panose="020B0503020204020204" pitchFamily="34" charset="-122"/>
+              <a:ea typeface="微软雅黑" panose="020B0503020204020204" pitchFamily="34" charset="-122"/>
+            </a:endParaRPr>
+          </a:p>
+          <a:p>
+            <a:r>
+              <a:rPr lang="en-US" sz="1200" smtClean="0">
+                <a:latin typeface="微软雅黑" panose="020B0503020204020204" pitchFamily="34" charset="-122"/>
+                <a:ea typeface="微软雅黑" panose="020B0503020204020204" pitchFamily="34" charset="-122"/>
+              </a:rPr>
+              <a:t>set </a:t>
+            </a:r>
+            <a:r>
+              <a:rPr lang="en-US" sz="1200">
+                <a:latin typeface="微软雅黑" panose="020B0503020204020204" pitchFamily="34" charset="-122"/>
+                <a:ea typeface="微软雅黑" panose="020B0503020204020204" pitchFamily="34" charset="-122"/>
+              </a:rPr>
+              <a:t>gtid_next=automatic</a:t>
+            </a:r>
+            <a:r>
+              <a:rPr lang="en-US" sz="1200" smtClean="0">
+                <a:latin typeface="微软雅黑" panose="020B0503020204020204" pitchFamily="34" charset="-122"/>
+                <a:ea typeface="微软雅黑" panose="020B0503020204020204" pitchFamily="34" charset="-122"/>
+              </a:rPr>
+              <a:t>;</a:t>
+            </a:r>
+          </a:p>
+          <a:p>
+            <a:r>
+              <a:rPr lang="en-US" sz="1200" smtClean="0">
+                <a:latin typeface="微软雅黑" panose="020B0503020204020204" pitchFamily="34" charset="-122"/>
+                <a:ea typeface="微软雅黑" panose="020B0503020204020204" pitchFamily="34" charset="-122"/>
+              </a:rPr>
+              <a:t>start </a:t>
+            </a:r>
+            <a:r>
+              <a:rPr lang="en-US" sz="1200">
+                <a:latin typeface="微软雅黑" panose="020B0503020204020204" pitchFamily="34" charset="-122"/>
+                <a:ea typeface="微软雅黑" panose="020B0503020204020204" pitchFamily="34" charset="-122"/>
+              </a:rPr>
+              <a:t>slave</a:t>
+            </a:r>
+            <a:r>
+              <a:rPr lang="en-US" sz="1200" smtClean="0">
+                <a:latin typeface="微软雅黑" panose="020B0503020204020204" pitchFamily="34" charset="-122"/>
+                <a:ea typeface="微软雅黑" panose="020B0503020204020204" pitchFamily="34" charset="-122"/>
+              </a:rPr>
+              <a:t>;</a:t>
+            </a:r>
+          </a:p>
+        </p:txBody>
+      </p:sp>
+      <p:sp>
+        <p:nvSpPr>
+          <p:cNvPr id="18" name="文本框 17"/>
+          <p:cNvSpPr txBox="1"/>
+          <p:nvPr/>
+        </p:nvSpPr>
+        <p:spPr>
+          <a:xfrm>
+            <a:off x="193813" y="3373415"/>
+            <a:ext cx="6137193" cy="369332"/>
+          </a:xfrm>
+          <a:prstGeom prst="rect">
+            <a:avLst/>
+          </a:prstGeom>
+          <a:noFill/>
+        </p:spPr>
+        <p:txBody>
+          <a:bodyPr wrap="none">
+            <a:spAutoFit/>
+            <a:scene3d>
+              <a:camera prst="orthographicFront"/>
+              <a:lightRig rig="harsh" dir="t"/>
+            </a:scene3d>
+            <a:sp3d extrusionH="57150" prstMaterial="matte">
+              <a:bevelT w="63500" h="12700" prst="angle"/>
+              <a:contourClr>
+                <a:schemeClr val="bg1">
+                  <a:lumMod val="65000"/>
+                </a:schemeClr>
+              </a:contourClr>
+            </a:sp3d>
+          </a:bodyPr>
+          <a:lstStyle/>
+          <a:p>
+            <a:pPr>
+              <a:defRPr/>
+            </a:pPr>
+            <a:r>
+              <a:rPr lang="zh-CN" altLang="en-US" b="1" dirty="0" smtClean="0">
+                <a:ln/>
+                <a:solidFill>
+                  <a:srgbClr val="4FD1FF"/>
+                </a:solidFill>
+                <a:latin typeface="微软雅黑" panose="020B0503020204020204" pitchFamily="34" charset="-122"/>
+                <a:ea typeface="微软雅黑" panose="020B0503020204020204" pitchFamily="34" charset="-122"/>
+              </a:rPr>
+              <a:t>基</a:t>
+            </a:r>
+            <a:r>
+              <a:rPr lang="zh-CN" altLang="en-US" b="1" smtClean="0">
+                <a:ln/>
+                <a:solidFill>
+                  <a:srgbClr val="4FD1FF"/>
+                </a:solidFill>
+                <a:latin typeface="微软雅黑" panose="020B0503020204020204" pitchFamily="34" charset="-122"/>
+                <a:ea typeface="微软雅黑" panose="020B0503020204020204" pitchFamily="34" charset="-122"/>
+              </a:rPr>
+              <a:t>于</a:t>
+            </a:r>
+            <a:r>
+              <a:rPr lang="en-US" altLang="zh-CN" b="1" smtClean="0">
+                <a:ln/>
+                <a:solidFill>
+                  <a:srgbClr val="4FD1FF"/>
+                </a:solidFill>
+                <a:latin typeface="微软雅黑" panose="020B0503020204020204" pitchFamily="34" charset="-122"/>
+                <a:ea typeface="微软雅黑" panose="020B0503020204020204" pitchFamily="34" charset="-122"/>
+              </a:rPr>
+              <a:t>GTID</a:t>
+            </a:r>
+            <a:r>
+              <a:rPr lang="zh-CN" altLang="en-US" b="1" smtClean="0">
+                <a:ln/>
+                <a:solidFill>
+                  <a:srgbClr val="4FD1FF"/>
+                </a:solidFill>
+                <a:latin typeface="微软雅黑" panose="020B0503020204020204" pitchFamily="34" charset="-122"/>
+                <a:ea typeface="微软雅黑" panose="020B0503020204020204" pitchFamily="34" charset="-122"/>
+              </a:rPr>
+              <a:t>（</a:t>
+            </a:r>
+            <a:r>
+              <a:rPr lang="en-US" altLang="zh-CN" b="1">
+                <a:ln/>
+                <a:solidFill>
+                  <a:srgbClr val="4FD1FF"/>
+                </a:solidFill>
+                <a:latin typeface="微软雅黑" panose="020B0503020204020204" pitchFamily="34" charset="-122"/>
+                <a:ea typeface="微软雅黑" panose="020B0503020204020204" pitchFamily="34" charset="-122"/>
+              </a:rPr>
+              <a:t>Global Transaction Identifier</a:t>
+            </a:r>
+            <a:r>
+              <a:rPr lang="zh-CN" altLang="en-US" b="1" smtClean="0">
+                <a:ln/>
+                <a:solidFill>
+                  <a:srgbClr val="4FD1FF"/>
+                </a:solidFill>
+                <a:latin typeface="微软雅黑" panose="020B0503020204020204" pitchFamily="34" charset="-122"/>
+                <a:ea typeface="微软雅黑" panose="020B0503020204020204" pitchFamily="34" charset="-122"/>
+              </a:rPr>
+              <a:t>）的</a:t>
+            </a:r>
+            <a:r>
+              <a:rPr lang="zh-CN" altLang="en-US" b="1" dirty="0" smtClean="0">
+                <a:ln/>
+                <a:solidFill>
+                  <a:srgbClr val="4FD1FF"/>
+                </a:solidFill>
+                <a:latin typeface="微软雅黑" panose="020B0503020204020204" pitchFamily="34" charset="-122"/>
+                <a:ea typeface="微软雅黑" panose="020B0503020204020204" pitchFamily="34" charset="-122"/>
+              </a:rPr>
+              <a:t>主备切换</a:t>
+            </a:r>
+            <a:endParaRPr lang="en-US" altLang="zh-CN" b="1" dirty="0" smtClean="0">
+              <a:ln/>
+              <a:solidFill>
+                <a:srgbClr val="4FD1FF"/>
+              </a:solidFill>
+              <a:latin typeface="微软雅黑" panose="020B0503020204020204" pitchFamily="34" charset="-122"/>
+              <a:ea typeface="微软雅黑" panose="020B0503020204020204" pitchFamily="34" charset="-122"/>
+            </a:endParaRPr>
+          </a:p>
+        </p:txBody>
+      </p:sp>
+      <p:sp>
+        <p:nvSpPr>
+          <p:cNvPr id="19" name="矩形 18"/>
+          <p:cNvSpPr/>
+          <p:nvPr/>
+        </p:nvSpPr>
+        <p:spPr>
+          <a:xfrm>
+            <a:off x="193813" y="3810383"/>
+            <a:ext cx="7469124" cy="1569660"/>
+          </a:xfrm>
+          <a:prstGeom prst="rect">
+            <a:avLst/>
+          </a:prstGeom>
+        </p:spPr>
+        <p:txBody>
+          <a:bodyPr wrap="square">
+            <a:spAutoFit/>
+          </a:bodyPr>
+          <a:lstStyle/>
+          <a:p>
+            <a:r>
+              <a:rPr lang="zh-CN" altLang="en-US" sz="1200" smtClean="0">
+                <a:solidFill>
+                  <a:srgbClr val="92D050"/>
+                </a:solidFill>
+                <a:latin typeface="微软雅黑" panose="020B0503020204020204" pitchFamily="34" charset="-122"/>
+                <a:ea typeface="微软雅黑" panose="020B0503020204020204" pitchFamily="34" charset="-122"/>
+              </a:rPr>
+              <a:t>在从库执行：</a:t>
+            </a:r>
+            <a:endParaRPr lang="en-US" altLang="zh-CN" sz="1200" smtClean="0">
+              <a:solidFill>
+                <a:srgbClr val="92D050"/>
+              </a:solidFill>
+              <a:latin typeface="微软雅黑" panose="020B0503020204020204" pitchFamily="34" charset="-122"/>
+              <a:ea typeface="微软雅黑" panose="020B0503020204020204" pitchFamily="34" charset="-122"/>
+            </a:endParaRPr>
+          </a:p>
+          <a:p>
+            <a:endParaRPr lang="en-US" altLang="zh-CN" sz="1200" smtClean="0">
+              <a:solidFill>
+                <a:srgbClr val="92D050"/>
+              </a:solidFill>
+              <a:latin typeface="微软雅黑" panose="020B0503020204020204" pitchFamily="34" charset="-122"/>
+              <a:ea typeface="微软雅黑" panose="020B0503020204020204" pitchFamily="34" charset="-122"/>
+            </a:endParaRPr>
+          </a:p>
+          <a:p>
+            <a:r>
+              <a:rPr lang="en-US" altLang="zh-CN" sz="1200" smtClean="0">
+                <a:solidFill>
+                  <a:srgbClr val="92D050"/>
+                </a:solidFill>
+                <a:latin typeface="微软雅黑" panose="020B0503020204020204" pitchFamily="34" charset="-122"/>
+                <a:ea typeface="微软雅黑" panose="020B0503020204020204" pitchFamily="34" charset="-122"/>
+              </a:rPr>
+              <a:t>CHANGE </a:t>
+            </a:r>
+            <a:r>
+              <a:rPr lang="en-US" altLang="zh-CN" sz="1200">
+                <a:solidFill>
+                  <a:srgbClr val="92D050"/>
+                </a:solidFill>
+                <a:latin typeface="微软雅黑" panose="020B0503020204020204" pitchFamily="34" charset="-122"/>
+                <a:ea typeface="微软雅黑" panose="020B0503020204020204" pitchFamily="34" charset="-122"/>
+              </a:rPr>
+              <a:t>MASTER </a:t>
+            </a:r>
+            <a:r>
+              <a:rPr lang="en-US" altLang="zh-CN" sz="1200">
+                <a:solidFill>
+                  <a:srgbClr val="92D050"/>
+                </a:solidFill>
+                <a:latin typeface="微软雅黑" panose="020B0503020204020204" pitchFamily="34" charset="-122"/>
+                <a:ea typeface="微软雅黑" panose="020B0503020204020204" pitchFamily="34" charset="-122"/>
+              </a:rPr>
+              <a:t>TO </a:t>
+            </a:r>
+            <a:endParaRPr lang="en-US" altLang="zh-CN" sz="1200" smtClean="0">
+              <a:solidFill>
+                <a:srgbClr val="92D050"/>
+              </a:solidFill>
+              <a:latin typeface="微软雅黑" panose="020B0503020204020204" pitchFamily="34" charset="-122"/>
+              <a:ea typeface="微软雅黑" panose="020B0503020204020204" pitchFamily="34" charset="-122"/>
+            </a:endParaRPr>
+          </a:p>
+          <a:p>
+            <a:r>
+              <a:rPr lang="en-US" altLang="zh-CN" sz="1200" smtClean="0">
+                <a:solidFill>
+                  <a:srgbClr val="92D050"/>
+                </a:solidFill>
+                <a:latin typeface="微软雅黑" panose="020B0503020204020204" pitchFamily="34" charset="-122"/>
+                <a:ea typeface="微软雅黑" panose="020B0503020204020204" pitchFamily="34" charset="-122"/>
+              </a:rPr>
+              <a:t>MASTER_HOST</a:t>
+            </a:r>
+            <a:r>
+              <a:rPr lang="en-US" altLang="zh-CN" sz="1200">
+                <a:solidFill>
+                  <a:srgbClr val="92D050"/>
+                </a:solidFill>
+                <a:latin typeface="微软雅黑" panose="020B0503020204020204" pitchFamily="34" charset="-122"/>
+                <a:ea typeface="微软雅黑" panose="020B0503020204020204" pitchFamily="34" charset="-122"/>
+              </a:rPr>
+              <a:t>=$</a:t>
+            </a:r>
+            <a:r>
+              <a:rPr lang="en-US" altLang="zh-CN" sz="1200">
+                <a:solidFill>
+                  <a:srgbClr val="92D050"/>
+                </a:solidFill>
+                <a:latin typeface="微软雅黑" panose="020B0503020204020204" pitchFamily="34" charset="-122"/>
+                <a:ea typeface="微软雅黑" panose="020B0503020204020204" pitchFamily="34" charset="-122"/>
+              </a:rPr>
+              <a:t>host_name </a:t>
+            </a:r>
+            <a:endParaRPr lang="en-US" altLang="zh-CN" sz="1200" smtClean="0">
+              <a:solidFill>
+                <a:srgbClr val="92D050"/>
+              </a:solidFill>
+              <a:latin typeface="微软雅黑" panose="020B0503020204020204" pitchFamily="34" charset="-122"/>
+              <a:ea typeface="微软雅黑" panose="020B0503020204020204" pitchFamily="34" charset="-122"/>
+            </a:endParaRPr>
+          </a:p>
+          <a:p>
+            <a:r>
+              <a:rPr lang="en-US" altLang="zh-CN" sz="1200" smtClean="0">
+                <a:solidFill>
+                  <a:srgbClr val="92D050"/>
+                </a:solidFill>
+                <a:latin typeface="微软雅黑" panose="020B0503020204020204" pitchFamily="34" charset="-122"/>
+                <a:ea typeface="微软雅黑" panose="020B0503020204020204" pitchFamily="34" charset="-122"/>
+              </a:rPr>
+              <a:t>MASTER_PORT</a:t>
+            </a:r>
+            <a:r>
+              <a:rPr lang="en-US" altLang="zh-CN" sz="1200">
+                <a:solidFill>
+                  <a:srgbClr val="92D050"/>
+                </a:solidFill>
+                <a:latin typeface="微软雅黑" panose="020B0503020204020204" pitchFamily="34" charset="-122"/>
+                <a:ea typeface="微软雅黑" panose="020B0503020204020204" pitchFamily="34" charset="-122"/>
+              </a:rPr>
+              <a:t>=$</a:t>
+            </a:r>
+            <a:r>
+              <a:rPr lang="en-US" altLang="zh-CN" sz="1200">
+                <a:solidFill>
+                  <a:srgbClr val="92D050"/>
+                </a:solidFill>
+                <a:latin typeface="微软雅黑" panose="020B0503020204020204" pitchFamily="34" charset="-122"/>
+                <a:ea typeface="微软雅黑" panose="020B0503020204020204" pitchFamily="34" charset="-122"/>
+              </a:rPr>
+              <a:t>port </a:t>
+            </a:r>
+            <a:endParaRPr lang="en-US" altLang="zh-CN" sz="1200" smtClean="0">
+              <a:solidFill>
+                <a:srgbClr val="92D050"/>
+              </a:solidFill>
+              <a:latin typeface="微软雅黑" panose="020B0503020204020204" pitchFamily="34" charset="-122"/>
+              <a:ea typeface="微软雅黑" panose="020B0503020204020204" pitchFamily="34" charset="-122"/>
+            </a:endParaRPr>
+          </a:p>
+          <a:p>
+            <a:r>
+              <a:rPr lang="en-US" altLang="zh-CN" sz="1200" smtClean="0">
+                <a:solidFill>
+                  <a:srgbClr val="92D050"/>
+                </a:solidFill>
+                <a:latin typeface="微软雅黑" panose="020B0503020204020204" pitchFamily="34" charset="-122"/>
+                <a:ea typeface="微软雅黑" panose="020B0503020204020204" pitchFamily="34" charset="-122"/>
+              </a:rPr>
+              <a:t>MASTER_USER</a:t>
+            </a:r>
+            <a:r>
+              <a:rPr lang="en-US" altLang="zh-CN" sz="1200">
+                <a:solidFill>
+                  <a:srgbClr val="92D050"/>
+                </a:solidFill>
+                <a:latin typeface="微软雅黑" panose="020B0503020204020204" pitchFamily="34" charset="-122"/>
+                <a:ea typeface="微软雅黑" panose="020B0503020204020204" pitchFamily="34" charset="-122"/>
+              </a:rPr>
+              <a:t>=$</a:t>
+            </a:r>
+            <a:r>
+              <a:rPr lang="en-US" altLang="zh-CN" sz="1200">
+                <a:solidFill>
+                  <a:srgbClr val="92D050"/>
+                </a:solidFill>
+                <a:latin typeface="微软雅黑" panose="020B0503020204020204" pitchFamily="34" charset="-122"/>
+                <a:ea typeface="微软雅黑" panose="020B0503020204020204" pitchFamily="34" charset="-122"/>
+              </a:rPr>
+              <a:t>user_name </a:t>
+            </a:r>
+            <a:endParaRPr lang="en-US" altLang="zh-CN" sz="1200" smtClean="0">
+              <a:solidFill>
+                <a:srgbClr val="92D050"/>
+              </a:solidFill>
+              <a:latin typeface="微软雅黑" panose="020B0503020204020204" pitchFamily="34" charset="-122"/>
+              <a:ea typeface="微软雅黑" panose="020B0503020204020204" pitchFamily="34" charset="-122"/>
+            </a:endParaRPr>
+          </a:p>
+          <a:p>
+            <a:r>
+              <a:rPr lang="en-US" altLang="zh-CN" sz="1200" smtClean="0">
+                <a:solidFill>
+                  <a:srgbClr val="92D050"/>
+                </a:solidFill>
+                <a:latin typeface="微软雅黑" panose="020B0503020204020204" pitchFamily="34" charset="-122"/>
+                <a:ea typeface="微软雅黑" panose="020B0503020204020204" pitchFamily="34" charset="-122"/>
+              </a:rPr>
+              <a:t>MASTER_PASSWORD</a:t>
+            </a:r>
+            <a:r>
+              <a:rPr lang="en-US" altLang="zh-CN" sz="1200">
+                <a:solidFill>
+                  <a:srgbClr val="92D050"/>
+                </a:solidFill>
+                <a:latin typeface="微软雅黑" panose="020B0503020204020204" pitchFamily="34" charset="-122"/>
+                <a:ea typeface="微软雅黑" panose="020B0503020204020204" pitchFamily="34" charset="-122"/>
+              </a:rPr>
+              <a:t>=$</a:t>
+            </a:r>
+            <a:r>
+              <a:rPr lang="en-US" altLang="zh-CN" sz="1200">
+                <a:solidFill>
+                  <a:srgbClr val="92D050"/>
+                </a:solidFill>
+                <a:latin typeface="微软雅黑" panose="020B0503020204020204" pitchFamily="34" charset="-122"/>
+                <a:ea typeface="微软雅黑" panose="020B0503020204020204" pitchFamily="34" charset="-122"/>
+              </a:rPr>
+              <a:t>password </a:t>
+            </a:r>
+            <a:endParaRPr lang="en-US" altLang="zh-CN" sz="1200" smtClean="0">
+              <a:solidFill>
+                <a:srgbClr val="92D050"/>
+              </a:solidFill>
+              <a:latin typeface="微软雅黑" panose="020B0503020204020204" pitchFamily="34" charset="-122"/>
+              <a:ea typeface="微软雅黑" panose="020B0503020204020204" pitchFamily="34" charset="-122"/>
+            </a:endParaRPr>
+          </a:p>
+          <a:p>
+            <a:r>
+              <a:rPr lang="en-US" altLang="zh-CN" sz="1200" smtClean="0">
+                <a:solidFill>
+                  <a:schemeClr val="accent1">
+                    <a:lumMod val="40000"/>
+                    <a:lumOff val="60000"/>
+                  </a:schemeClr>
+                </a:solidFill>
+                <a:latin typeface="微软雅黑" panose="020B0503020204020204" pitchFamily="34" charset="-122"/>
+                <a:ea typeface="微软雅黑" panose="020B0503020204020204" pitchFamily="34" charset="-122"/>
+              </a:rPr>
+              <a:t>master_auto_position=1</a:t>
+            </a:r>
+            <a:endParaRPr lang="en-US" altLang="zh-CN" sz="1200" dirty="0" smtClean="0">
+              <a:solidFill>
+                <a:schemeClr val="accent1">
+                  <a:lumMod val="40000"/>
+                  <a:lumOff val="60000"/>
+                </a:schemeClr>
+              </a:solidFill>
+              <a:latin typeface="微软雅黑" panose="020B0503020204020204" pitchFamily="34" charset="-122"/>
+              <a:ea typeface="微软雅黑" panose="020B0503020204020204" pitchFamily="34" charset="-122"/>
+            </a:endParaRPr>
+          </a:p>
+        </p:txBody>
+      </p:sp>
+      <p:sp>
+        <p:nvSpPr>
+          <p:cNvPr id="20" name="矩形 19"/>
+          <p:cNvSpPr/>
+          <p:nvPr/>
+        </p:nvSpPr>
+        <p:spPr>
+          <a:xfrm>
+            <a:off x="7434688" y="3462095"/>
+            <a:ext cx="963930" cy="673100"/>
+          </a:xfrm>
+          <a:prstGeom prst="rect">
+            <a:avLst/>
+          </a:prstGeom>
+          <a:solidFill>
+            <a:srgbClr val="00B050"/>
+          </a:solidFill>
+          <a:ln>
+            <a:noFill/>
+          </a:ln>
+          <a:scene3d>
+            <a:camera prst="orthographicFront"/>
+            <a:lightRig rig="threePt" dir="t"/>
+          </a:scene3d>
+          <a:sp3d>
+            <a:bevelT w="114300" prst="artDeco"/>
+          </a:sp3d>
+        </p:spPr>
+        <p:style>
+          <a:lnRef idx="2">
+            <a:schemeClr val="accent1">
+              <a:shade val="50000"/>
+            </a:schemeClr>
+          </a:lnRef>
+          <a:fillRef idx="1">
+            <a:schemeClr val="accent1"/>
+          </a:fillRef>
+          <a:effectRef idx="0">
+            <a:schemeClr val="accent1"/>
+          </a:effectRef>
+          <a:fontRef idx="minor">
+            <a:schemeClr val="lt1"/>
+          </a:fontRef>
+        </p:style>
+        <p:txBody>
+          <a:bodyPr rtlCol="0" anchor="ctr"/>
+          <a:lstStyle/>
+          <a:p>
+            <a:pPr algn="ctr"/>
+            <a:r>
+              <a:rPr lang="en-US" altLang="zh-CN" sz="1400" dirty="0" smtClean="0">
+                <a:latin typeface="微软雅黑" panose="020B0503020204020204" pitchFamily="34" charset="-122"/>
+                <a:ea typeface="微软雅黑" panose="020B0503020204020204" pitchFamily="34" charset="-122"/>
+              </a:rPr>
+              <a:t>MySQL</a:t>
+            </a:r>
+          </a:p>
+          <a:p>
+            <a:pPr algn="ctr"/>
+            <a:r>
+              <a:rPr lang="en-US" altLang="zh-CN" sz="1400" dirty="0" smtClean="0">
+                <a:latin typeface="微软雅黑" panose="020B0503020204020204" pitchFamily="34" charset="-122"/>
+                <a:ea typeface="微软雅黑" panose="020B0503020204020204" pitchFamily="34" charset="-122"/>
+              </a:rPr>
+              <a:t>A</a:t>
+            </a:r>
+            <a:endParaRPr lang="zh-CN" altLang="en-US" sz="1400" dirty="0">
+              <a:latin typeface="微软雅黑" panose="020B0503020204020204" pitchFamily="34" charset="-122"/>
+              <a:ea typeface="微软雅黑" panose="020B0503020204020204" pitchFamily="34" charset="-122"/>
+            </a:endParaRPr>
+          </a:p>
+        </p:txBody>
+      </p:sp>
+      <p:sp>
+        <p:nvSpPr>
+          <p:cNvPr id="21" name="矩形 20"/>
+          <p:cNvSpPr/>
+          <p:nvPr/>
+        </p:nvSpPr>
+        <p:spPr>
+          <a:xfrm>
+            <a:off x="10781392" y="3462095"/>
+            <a:ext cx="963930" cy="673100"/>
+          </a:xfrm>
+          <a:prstGeom prst="rect">
+            <a:avLst/>
+          </a:prstGeom>
+          <a:solidFill>
+            <a:srgbClr val="00B050"/>
+          </a:solidFill>
+          <a:ln>
+            <a:noFill/>
+          </a:ln>
+          <a:scene3d>
+            <a:camera prst="orthographicFront"/>
+            <a:lightRig rig="threePt" dir="t"/>
+          </a:scene3d>
+          <a:sp3d>
+            <a:bevelT w="114300" prst="artDeco"/>
+          </a:sp3d>
+        </p:spPr>
+        <p:style>
+          <a:lnRef idx="2">
+            <a:schemeClr val="accent1">
+              <a:shade val="50000"/>
+            </a:schemeClr>
+          </a:lnRef>
+          <a:fillRef idx="1">
+            <a:schemeClr val="accent1"/>
+          </a:fillRef>
+          <a:effectRef idx="0">
+            <a:schemeClr val="accent1"/>
+          </a:effectRef>
+          <a:fontRef idx="minor">
+            <a:schemeClr val="lt1"/>
+          </a:fontRef>
+        </p:style>
+        <p:txBody>
+          <a:bodyPr rtlCol="0" anchor="ctr"/>
+          <a:lstStyle/>
+          <a:p>
+            <a:pPr algn="ctr"/>
+            <a:r>
+              <a:rPr lang="en-US" altLang="zh-CN" sz="1400" dirty="0" smtClean="0">
+                <a:latin typeface="微软雅黑" panose="020B0503020204020204" pitchFamily="34" charset="-122"/>
+                <a:ea typeface="微软雅黑" panose="020B0503020204020204" pitchFamily="34" charset="-122"/>
+              </a:rPr>
+              <a:t>MySQL</a:t>
+            </a:r>
+          </a:p>
+          <a:p>
+            <a:pPr algn="ctr"/>
+            <a:r>
+              <a:rPr lang="en-US" altLang="zh-CN" sz="1400" dirty="0" smtClean="0">
+                <a:latin typeface="微软雅黑" panose="020B0503020204020204" pitchFamily="34" charset="-122"/>
+                <a:ea typeface="微软雅黑" panose="020B0503020204020204" pitchFamily="34" charset="-122"/>
+              </a:rPr>
+              <a:t>B</a:t>
+            </a:r>
+            <a:endParaRPr lang="zh-CN" altLang="en-US" sz="1400" dirty="0">
+              <a:latin typeface="微软雅黑" panose="020B0503020204020204" pitchFamily="34" charset="-122"/>
+              <a:ea typeface="微软雅黑" panose="020B0503020204020204" pitchFamily="34" charset="-122"/>
+            </a:endParaRPr>
+          </a:p>
+        </p:txBody>
+      </p:sp>
+      <p:sp>
+        <p:nvSpPr>
+          <p:cNvPr id="27" name="矩形 26"/>
+          <p:cNvSpPr/>
+          <p:nvPr/>
+        </p:nvSpPr>
+        <p:spPr>
+          <a:xfrm>
+            <a:off x="10868285" y="4135195"/>
+            <a:ext cx="790144" cy="364926"/>
+          </a:xfrm>
+          <a:prstGeom prst="rect">
+            <a:avLst/>
+          </a:prstGeom>
+          <a:solidFill>
+            <a:schemeClr val="accent6"/>
+          </a:solidFill>
+          <a:ln>
+            <a:noFill/>
+          </a:ln>
+          <a:scene3d>
+            <a:camera prst="orthographicFront"/>
+            <a:lightRig rig="threePt" dir="t"/>
+          </a:scene3d>
+          <a:sp3d>
+            <a:bevelT w="114300" prst="artDeco"/>
+          </a:sp3d>
+        </p:spPr>
+        <p:style>
+          <a:lnRef idx="2">
+            <a:schemeClr val="accent1">
+              <a:shade val="50000"/>
+            </a:schemeClr>
+          </a:lnRef>
+          <a:fillRef idx="1">
+            <a:schemeClr val="accent1"/>
+          </a:fillRef>
+          <a:effectRef idx="0">
+            <a:schemeClr val="accent1"/>
+          </a:effectRef>
+          <a:fontRef idx="minor">
+            <a:schemeClr val="lt1"/>
+          </a:fontRef>
+        </p:style>
+        <p:txBody>
+          <a:bodyPr rtlCol="0" anchor="ctr"/>
+          <a:lstStyle/>
+          <a:p>
+            <a:pPr algn="ctr"/>
+            <a:r>
+              <a:rPr lang="en-US" altLang="zh-CN" sz="1400" dirty="0" err="1" smtClean="0">
+                <a:latin typeface="微软雅黑" panose="020B0503020204020204" pitchFamily="34" charset="-122"/>
+                <a:ea typeface="微软雅黑" panose="020B0503020204020204" pitchFamily="34" charset="-122"/>
+              </a:rPr>
+              <a:t>set_b</a:t>
+            </a:r>
+            <a:endParaRPr lang="zh-CN" altLang="en-US" sz="1400" dirty="0">
+              <a:latin typeface="微软雅黑" panose="020B0503020204020204" pitchFamily="34" charset="-122"/>
+              <a:ea typeface="微软雅黑" panose="020B0503020204020204" pitchFamily="34" charset="-122"/>
+            </a:endParaRPr>
+          </a:p>
+        </p:txBody>
+      </p:sp>
+      <p:sp>
+        <p:nvSpPr>
+          <p:cNvPr id="29" name="矩形 28"/>
+          <p:cNvSpPr/>
+          <p:nvPr/>
+        </p:nvSpPr>
+        <p:spPr>
+          <a:xfrm>
+            <a:off x="7521581" y="4135195"/>
+            <a:ext cx="790144" cy="364926"/>
+          </a:xfrm>
+          <a:prstGeom prst="rect">
+            <a:avLst/>
+          </a:prstGeom>
+          <a:solidFill>
+            <a:schemeClr val="accent6"/>
+          </a:solidFill>
+          <a:ln>
+            <a:noFill/>
+          </a:ln>
+          <a:scene3d>
+            <a:camera prst="orthographicFront"/>
+            <a:lightRig rig="threePt" dir="t"/>
+          </a:scene3d>
+          <a:sp3d>
+            <a:bevelT w="114300" prst="artDeco"/>
+          </a:sp3d>
+        </p:spPr>
+        <p:style>
+          <a:lnRef idx="2">
+            <a:schemeClr val="accent1">
+              <a:shade val="50000"/>
+            </a:schemeClr>
+          </a:lnRef>
+          <a:fillRef idx="1">
+            <a:schemeClr val="accent1"/>
+          </a:fillRef>
+          <a:effectRef idx="0">
+            <a:schemeClr val="accent1"/>
+          </a:effectRef>
+          <a:fontRef idx="minor">
+            <a:schemeClr val="lt1"/>
+          </a:fontRef>
+        </p:style>
+        <p:txBody>
+          <a:bodyPr rtlCol="0" anchor="ctr"/>
+          <a:lstStyle/>
+          <a:p>
+            <a:pPr algn="ctr"/>
+            <a:r>
+              <a:rPr lang="en-US" altLang="zh-CN" sz="1400" dirty="0" err="1" smtClean="0">
+                <a:latin typeface="微软雅黑" panose="020B0503020204020204" pitchFamily="34" charset="-122"/>
+                <a:ea typeface="微软雅黑" panose="020B0503020204020204" pitchFamily="34" charset="-122"/>
+              </a:rPr>
+              <a:t>set_a</a:t>
+            </a:r>
+            <a:endParaRPr lang="zh-CN" altLang="en-US" sz="1400" dirty="0">
+              <a:latin typeface="微软雅黑" panose="020B0503020204020204" pitchFamily="34" charset="-122"/>
+              <a:ea typeface="微软雅黑" panose="020B0503020204020204" pitchFamily="34" charset="-122"/>
+            </a:endParaRPr>
+          </a:p>
+        </p:txBody>
+      </p:sp>
+      <p:cxnSp>
+        <p:nvCxnSpPr>
+          <p:cNvPr id="30" name="直接箭头连接符 29"/>
+          <p:cNvCxnSpPr>
+            <a:stCxn id="21" idx="1"/>
+            <a:endCxn id="20" idx="3"/>
+          </p:cNvCxnSpPr>
+          <p:nvPr/>
+        </p:nvCxnSpPr>
+        <p:spPr>
+          <a:xfrm flipH="1">
+            <a:off x="8398618" y="3798645"/>
+            <a:ext cx="2382774" cy="0"/>
+          </a:xfrm>
+          <a:prstGeom prst="straightConnector1">
+            <a:avLst/>
+          </a:prstGeom>
+          <a:ln>
+            <a:solidFill>
+              <a:srgbClr val="FFFF00"/>
+            </a:solidFill>
+            <a:prstDash val="lgDash"/>
+            <a:tailEnd type="triangle"/>
+          </a:ln>
+        </p:spPr>
+        <p:style>
+          <a:lnRef idx="1">
+            <a:schemeClr val="accent1"/>
+          </a:lnRef>
+          <a:fillRef idx="0">
+            <a:schemeClr val="accent1"/>
+          </a:fillRef>
+          <a:effectRef idx="0">
+            <a:schemeClr val="accent1"/>
+          </a:effectRef>
+          <a:fontRef idx="minor">
+            <a:schemeClr val="tx1"/>
+          </a:fontRef>
+        </p:style>
+      </p:cxnSp>
+      <p:sp>
+        <p:nvSpPr>
+          <p:cNvPr id="31" name="矩形 30"/>
+          <p:cNvSpPr/>
+          <p:nvPr/>
+        </p:nvSpPr>
+        <p:spPr>
+          <a:xfrm>
+            <a:off x="8461066" y="4050954"/>
+            <a:ext cx="2208987" cy="646331"/>
+          </a:xfrm>
+          <a:prstGeom prst="rect">
+            <a:avLst/>
+          </a:prstGeom>
+        </p:spPr>
+        <p:txBody>
+          <a:bodyPr wrap="square">
+            <a:spAutoFit/>
+          </a:bodyPr>
+          <a:lstStyle/>
+          <a:p>
+            <a:r>
+              <a:rPr lang="zh-CN" altLang="en-US" sz="1200" smtClean="0">
+                <a:latin typeface="微软雅黑" panose="020B0503020204020204" pitchFamily="34" charset="-122"/>
+                <a:ea typeface="微软雅黑" panose="020B0503020204020204" pitchFamily="34" charset="-122"/>
+              </a:rPr>
+              <a:t>从</a:t>
+            </a:r>
+            <a:r>
+              <a:rPr lang="zh-CN" altLang="en-US" sz="1200" dirty="0" smtClean="0">
+                <a:latin typeface="微软雅黑" panose="020B0503020204020204" pitchFamily="34" charset="-122"/>
+                <a:ea typeface="微软雅黑" panose="020B0503020204020204" pitchFamily="34" charset="-122"/>
+              </a:rPr>
+              <a:t>自己</a:t>
+            </a:r>
+            <a:r>
+              <a:rPr lang="en-US" altLang="zh-CN" sz="1200" dirty="0" err="1" smtClean="0">
+                <a:latin typeface="微软雅黑" panose="020B0503020204020204" pitchFamily="34" charset="-122"/>
+                <a:ea typeface="微软雅黑" panose="020B0503020204020204" pitchFamily="34" charset="-122"/>
+              </a:rPr>
+              <a:t>binlog</a:t>
+            </a:r>
+            <a:r>
+              <a:rPr lang="zh-CN" altLang="en-US" sz="1200" dirty="0" smtClean="0">
+                <a:latin typeface="微软雅黑" panose="020B0503020204020204" pitchFamily="34" charset="-122"/>
+                <a:ea typeface="微软雅黑" panose="020B0503020204020204" pitchFamily="34" charset="-122"/>
+              </a:rPr>
+              <a:t>中找到第一个不在</a:t>
+            </a:r>
+            <a:r>
+              <a:rPr lang="en-US" altLang="zh-CN" sz="1200" dirty="0" err="1" smtClean="0">
+                <a:latin typeface="微软雅黑" panose="020B0503020204020204" pitchFamily="34" charset="-122"/>
+                <a:ea typeface="微软雅黑" panose="020B0503020204020204" pitchFamily="34" charset="-122"/>
+              </a:rPr>
+              <a:t>set_b</a:t>
+            </a:r>
+            <a:r>
+              <a:rPr lang="zh-CN" altLang="en-US" sz="1200" dirty="0" smtClean="0">
+                <a:latin typeface="微软雅黑" panose="020B0503020204020204" pitchFamily="34" charset="-122"/>
+                <a:ea typeface="微软雅黑" panose="020B0503020204020204" pitchFamily="34" charset="-122"/>
+              </a:rPr>
+              <a:t>的事务，从这里开始发送给</a:t>
+            </a:r>
+            <a:r>
+              <a:rPr lang="en-US" altLang="zh-CN" sz="1200" dirty="0" smtClean="0">
+                <a:latin typeface="微软雅黑" panose="020B0503020204020204" pitchFamily="34" charset="-122"/>
+                <a:ea typeface="微软雅黑" panose="020B0503020204020204" pitchFamily="34" charset="-122"/>
+              </a:rPr>
+              <a:t>B</a:t>
+            </a:r>
+            <a:r>
+              <a:rPr lang="zh-CN" altLang="en-US" sz="1200" dirty="0" smtClean="0">
+                <a:latin typeface="微软雅黑" panose="020B0503020204020204" pitchFamily="34" charset="-122"/>
+                <a:ea typeface="微软雅黑" panose="020B0503020204020204" pitchFamily="34" charset="-122"/>
+              </a:rPr>
+              <a:t>。</a:t>
+            </a:r>
+            <a:endParaRPr lang="en-US" altLang="zh-CN" sz="1200" dirty="0" smtClean="0">
+              <a:latin typeface="微软雅黑" panose="020B0503020204020204" pitchFamily="34" charset="-122"/>
+              <a:ea typeface="微软雅黑" panose="020B0503020204020204" pitchFamily="34" charset="-122"/>
+            </a:endParaRPr>
+          </a:p>
+        </p:txBody>
+      </p:sp>
+      <p:sp>
+        <p:nvSpPr>
+          <p:cNvPr id="32" name="矩形标注 31"/>
+          <p:cNvSpPr/>
+          <p:nvPr/>
+        </p:nvSpPr>
+        <p:spPr>
+          <a:xfrm>
+            <a:off x="3882435" y="4491878"/>
+            <a:ext cx="2863036" cy="529588"/>
+          </a:xfrm>
+          <a:prstGeom prst="wedgeRectCallout">
+            <a:avLst>
+              <a:gd name="adj1" fmla="val -111134"/>
+              <a:gd name="adj2" fmla="val 91274"/>
+            </a:avLst>
+          </a:prstGeom>
+          <a:solidFill>
+            <a:schemeClr val="tx1">
+              <a:lumMod val="85000"/>
+              <a:alpha val="50000"/>
+            </a:schemeClr>
+          </a:solidFill>
+          <a:ln>
+            <a:noFill/>
+          </a:ln>
+        </p:spPr>
+        <p:style>
+          <a:lnRef idx="0">
+            <a:scrgbClr r="0" g="0" b="0"/>
+          </a:lnRef>
+          <a:fillRef idx="0">
+            <a:scrgbClr r="0" g="0" b="0"/>
+          </a:fillRef>
+          <a:effectRef idx="0">
+            <a:scrgbClr r="0" g="0" b="0"/>
+          </a:effectRef>
+          <a:fontRef idx="minor">
+            <a:schemeClr val="lt1"/>
+          </a:fontRef>
+        </p:style>
+        <p:txBody>
+          <a:bodyPr rtlCol="0" anchor="ctr"/>
+          <a:lstStyle/>
+          <a:p>
+            <a:r>
+              <a:rPr lang="en-US" altLang="zh-CN" sz="1400">
+                <a:latin typeface="微软雅黑" panose="020B0503020204020204" pitchFamily="34" charset="-122"/>
+                <a:ea typeface="微软雅黑" panose="020B0503020204020204" pitchFamily="34" charset="-122"/>
+              </a:rPr>
+              <a:t>master_auto_position=1 </a:t>
+            </a:r>
+            <a:r>
+              <a:rPr lang="zh-CN" altLang="en-US" sz="1400">
+                <a:latin typeface="微软雅黑" panose="020B0503020204020204" pitchFamily="34" charset="-122"/>
+                <a:ea typeface="微软雅黑" panose="020B0503020204020204" pitchFamily="34" charset="-122"/>
+              </a:rPr>
+              <a:t>就表示这个主备关系使用的是 </a:t>
+            </a:r>
+            <a:r>
+              <a:rPr lang="en-US" altLang="zh-CN" sz="1400">
+                <a:latin typeface="微软雅黑" panose="020B0503020204020204" pitchFamily="34" charset="-122"/>
+                <a:ea typeface="微软雅黑" panose="020B0503020204020204" pitchFamily="34" charset="-122"/>
+              </a:rPr>
+              <a:t>GTID </a:t>
+            </a:r>
+            <a:r>
+              <a:rPr lang="zh-CN" altLang="en-US" sz="1400">
+                <a:latin typeface="微软雅黑" panose="020B0503020204020204" pitchFamily="34" charset="-122"/>
+                <a:ea typeface="微软雅黑" panose="020B0503020204020204" pitchFamily="34" charset="-122"/>
+              </a:rPr>
+              <a:t>协议</a:t>
+            </a:r>
+            <a:endParaRPr lang="en-US" altLang="zh-CN" sz="1400" dirty="0" smtClean="0">
+              <a:latin typeface="微软雅黑" panose="020B0503020204020204" pitchFamily="34" charset="-122"/>
+              <a:ea typeface="微软雅黑" panose="020B0503020204020204" pitchFamily="34" charset="-122"/>
+            </a:endParaRPr>
+          </a:p>
+        </p:txBody>
+      </p:sp>
+      <p:sp>
+        <p:nvSpPr>
+          <p:cNvPr id="33" name="矩形 32"/>
+          <p:cNvSpPr/>
+          <p:nvPr/>
+        </p:nvSpPr>
+        <p:spPr>
+          <a:xfrm>
+            <a:off x="9137237" y="3373415"/>
+            <a:ext cx="790144" cy="364926"/>
+          </a:xfrm>
+          <a:prstGeom prst="rect">
+            <a:avLst/>
+          </a:prstGeom>
+          <a:solidFill>
+            <a:schemeClr val="accent6"/>
+          </a:solidFill>
+          <a:ln>
+            <a:noFill/>
+          </a:ln>
+          <a:scene3d>
+            <a:camera prst="orthographicFront"/>
+            <a:lightRig rig="threePt" dir="t"/>
+          </a:scene3d>
+          <a:sp3d>
+            <a:bevelT w="114300" prst="artDeco"/>
+          </a:sp3d>
+        </p:spPr>
+        <p:style>
+          <a:lnRef idx="2">
+            <a:schemeClr val="accent1">
+              <a:shade val="50000"/>
+            </a:schemeClr>
+          </a:lnRef>
+          <a:fillRef idx="1">
+            <a:schemeClr val="accent1"/>
+          </a:fillRef>
+          <a:effectRef idx="0">
+            <a:schemeClr val="accent1"/>
+          </a:effectRef>
+          <a:fontRef idx="minor">
+            <a:schemeClr val="lt1"/>
+          </a:fontRef>
+        </p:style>
+        <p:txBody>
+          <a:bodyPr rtlCol="0" anchor="ctr"/>
+          <a:lstStyle/>
+          <a:p>
+            <a:pPr algn="ctr"/>
+            <a:r>
+              <a:rPr lang="en-US" altLang="zh-CN" sz="1400" dirty="0" err="1" smtClean="0">
+                <a:latin typeface="微软雅黑" panose="020B0503020204020204" pitchFamily="34" charset="-122"/>
+                <a:ea typeface="微软雅黑" panose="020B0503020204020204" pitchFamily="34" charset="-122"/>
+              </a:rPr>
+              <a:t>set_b</a:t>
+            </a:r>
+            <a:endParaRPr lang="zh-CN" altLang="en-US" sz="1400" dirty="0">
+              <a:latin typeface="微软雅黑" panose="020B0503020204020204" pitchFamily="34" charset="-122"/>
+              <a:ea typeface="微软雅黑" panose="020B0503020204020204" pitchFamily="34" charset="-122"/>
+            </a:endParaRPr>
+          </a:p>
+        </p:txBody>
+      </p:sp>
+      <p:cxnSp>
+        <p:nvCxnSpPr>
+          <p:cNvPr id="34" name="直接箭头连接符 33"/>
+          <p:cNvCxnSpPr/>
+          <p:nvPr/>
+        </p:nvCxnSpPr>
+        <p:spPr>
+          <a:xfrm>
+            <a:off x="8398618" y="3981108"/>
+            <a:ext cx="2382774" cy="0"/>
+          </a:xfrm>
+          <a:prstGeom prst="straightConnector1">
+            <a:avLst/>
+          </a:prstGeom>
+          <a:ln>
+            <a:solidFill>
+              <a:srgbClr val="FFFF00"/>
+            </a:solidFill>
+            <a:prstDash val="lgDash"/>
+            <a:tailEnd type="triangle"/>
+          </a:ln>
+        </p:spPr>
+        <p:style>
+          <a:lnRef idx="1">
+            <a:schemeClr val="accent1"/>
+          </a:lnRef>
+          <a:fillRef idx="0">
+            <a:schemeClr val="accent1"/>
+          </a:fillRef>
+          <a:effectRef idx="0">
+            <a:schemeClr val="accent1"/>
+          </a:effectRef>
+          <a:fontRef idx="minor">
+            <a:schemeClr val="tx1"/>
+          </a:fontRef>
+        </p:style>
+      </p:cxnSp>
+      <p:sp>
+        <p:nvSpPr>
+          <p:cNvPr id="35" name="矩形 34"/>
+          <p:cNvSpPr/>
+          <p:nvPr/>
+        </p:nvSpPr>
+        <p:spPr>
+          <a:xfrm>
+            <a:off x="7207825" y="4767130"/>
+            <a:ext cx="1417656" cy="364926"/>
+          </a:xfrm>
+          <a:prstGeom prst="rect">
+            <a:avLst/>
+          </a:prstGeom>
+          <a:solidFill>
+            <a:schemeClr val="accent6"/>
+          </a:solidFill>
+          <a:ln>
+            <a:noFill/>
+          </a:ln>
+          <a:scene3d>
+            <a:camera prst="orthographicFront"/>
+            <a:lightRig rig="threePt" dir="t"/>
+          </a:scene3d>
+          <a:sp3d>
+            <a:bevelT w="114300" prst="artDeco"/>
+          </a:sp3d>
+        </p:spPr>
+        <p:style>
+          <a:lnRef idx="2">
+            <a:schemeClr val="accent1">
+              <a:shade val="50000"/>
+            </a:schemeClr>
+          </a:lnRef>
+          <a:fillRef idx="1">
+            <a:schemeClr val="accent1"/>
+          </a:fillRef>
+          <a:effectRef idx="0">
+            <a:schemeClr val="accent1"/>
+          </a:effectRef>
+          <a:fontRef idx="minor">
+            <a:schemeClr val="lt1"/>
+          </a:fontRef>
+        </p:style>
+        <p:txBody>
+          <a:bodyPr rtlCol="0" anchor="ctr"/>
+          <a:lstStyle/>
+          <a:p>
+            <a:pPr algn="ctr"/>
+            <a:r>
+              <a:rPr lang="en-US" altLang="zh-CN" sz="1400" smtClean="0">
+                <a:latin typeface="微软雅黑" panose="020B0503020204020204" pitchFamily="34" charset="-122"/>
+                <a:ea typeface="微软雅黑" panose="020B0503020204020204" pitchFamily="34" charset="-122"/>
+              </a:rPr>
+              <a:t>set_a – set_b</a:t>
+            </a:r>
+            <a:endParaRPr lang="zh-CN" altLang="en-US" sz="1400" dirty="0">
+              <a:latin typeface="微软雅黑" panose="020B0503020204020204" pitchFamily="34" charset="-122"/>
+              <a:ea typeface="微软雅黑" panose="020B0503020204020204" pitchFamily="34" charset="-122"/>
+            </a:endParaRPr>
+          </a:p>
+        </p:txBody>
+      </p:sp>
+      <p:cxnSp>
+        <p:nvCxnSpPr>
+          <p:cNvPr id="36" name="直接箭头连接符 35"/>
+          <p:cNvCxnSpPr>
+            <a:stCxn id="29" idx="2"/>
+            <a:endCxn id="35" idx="0"/>
+          </p:cNvCxnSpPr>
+          <p:nvPr/>
+        </p:nvCxnSpPr>
+        <p:spPr>
+          <a:xfrm>
+            <a:off x="7916653" y="4500121"/>
+            <a:ext cx="0" cy="267009"/>
+          </a:xfrm>
+          <a:prstGeom prst="straightConnector1">
+            <a:avLst/>
+          </a:prstGeom>
+          <a:ln>
+            <a:solidFill>
+              <a:srgbClr val="FFFF00"/>
+            </a:solidFill>
+            <a:tailEnd type="triangle"/>
+          </a:ln>
+        </p:spPr>
+        <p:style>
+          <a:lnRef idx="1">
+            <a:schemeClr val="accent1"/>
+          </a:lnRef>
+          <a:fillRef idx="0">
+            <a:schemeClr val="accent1"/>
+          </a:fillRef>
+          <a:effectRef idx="0">
+            <a:schemeClr val="accent1"/>
+          </a:effectRef>
+          <a:fontRef idx="minor">
+            <a:schemeClr val="tx1"/>
+          </a:fontRef>
+        </p:style>
+      </p:cxnSp>
+    </p:spTree>
+    <p:extLst>
+      <p:ext uri="{BB962C8B-B14F-4D97-AF65-F5344CB8AC3E}">
+        <p14:creationId xmlns:p14="http://schemas.microsoft.com/office/powerpoint/2010/main" val="1488310100"/>
+      </p:ext>
+    </p:extLst>
+  </p:cSld>
+  <p:clrMapOvr>
+    <a:masterClrMapping/>
+  </p:clrMapOvr>
+  <p:timing>
+    <p:tnLst>
+      <p:par>
+        <p:cTn id="1" dur="indefinite" restart="never" nodeType="tmRoot"/>
+      </p:par>
+    </p:tnLst>
+  </p:timing>
+</p:sld>
+</file>
+
+<file path=ppt/slides/slide5.xml><?xml version="1.0" encoding="utf-8"?>
+<p:sld xmlns:a="http://schemas.openxmlformats.org/drawingml/2006/main" xmlns:r="http://schemas.openxmlformats.org/officeDocument/2006/relationships" xmlns:p="http://schemas.openxmlformats.org/presentationml/2006/main">
+  <p:cSld>
+    <p:spTree>
+      <p:nvGrpSpPr>
+        <p:cNvPr id="1" name=""/>
+        <p:cNvGrpSpPr/>
+        <p:nvPr/>
+      </p:nvGrpSpPr>
+      <p:grpSpPr>
+        <a:xfrm>
+          <a:off x="0" y="0"/>
+          <a:ext cx="0" cy="0"/>
+          <a:chOff x="0" y="0"/>
+          <a:chExt cx="0" cy="0"/>
+        </a:xfrm>
+      </p:grpSpPr>
+      <p:sp>
+        <p:nvSpPr>
+          <p:cNvPr id="2" name="标题 1"/>
+          <p:cNvSpPr>
+            <a:spLocks noGrp="1"/>
+          </p:cNvSpPr>
+          <p:nvPr>
+            <p:ph type="title"/>
+          </p:nvPr>
+        </p:nvSpPr>
+        <p:spPr>
+          <a:xfrm>
+            <a:off x="114300" y="152400"/>
+            <a:ext cx="11149057" cy="602359"/>
+          </a:xfrm>
+        </p:spPr>
+        <p:txBody>
+          <a:bodyPr/>
+          <a:lstStyle/>
+          <a:p>
+            <a:r>
+              <a:rPr lang="en-US" altLang="zh-CN" sz="3200" b="1" dirty="0">
+                <a:latin typeface="微软雅黑" panose="020B0503020204020204" pitchFamily="34" charset="-122"/>
+                <a:ea typeface="微软雅黑" panose="020B0503020204020204" pitchFamily="34" charset="-122"/>
+              </a:rPr>
+              <a:t>27 | </a:t>
+            </a:r>
+            <a:r>
+              <a:rPr lang="zh-CN" altLang="en-US" sz="3200" b="1" dirty="0">
+                <a:latin typeface="微软雅黑" panose="020B0503020204020204" pitchFamily="34" charset="-122"/>
+                <a:ea typeface="微软雅黑" panose="020B0503020204020204" pitchFamily="34" charset="-122"/>
+              </a:rPr>
+              <a:t>主库出问题了，从库怎么办？</a:t>
+            </a:r>
+          </a:p>
+        </p:txBody>
+      </p:sp>
+      <p:sp>
+        <p:nvSpPr>
+          <p:cNvPr id="7" name="文本框 6"/>
+          <p:cNvSpPr txBox="1"/>
+          <p:nvPr/>
+        </p:nvSpPr>
+        <p:spPr>
+          <a:xfrm>
+            <a:off x="114300" y="842111"/>
+            <a:ext cx="8207568" cy="369332"/>
+          </a:xfrm>
+          <a:prstGeom prst="rect">
+            <a:avLst/>
+          </a:prstGeom>
+          <a:noFill/>
+        </p:spPr>
+        <p:txBody>
+          <a:bodyPr wrap="none">
+            <a:spAutoFit/>
+            <a:scene3d>
+              <a:camera prst="orthographicFront"/>
+              <a:lightRig rig="harsh" dir="t"/>
+            </a:scene3d>
+            <a:sp3d extrusionH="57150" prstMaterial="matte">
+              <a:bevelT w="63500" h="12700" prst="angle"/>
+              <a:contourClr>
+                <a:schemeClr val="bg1">
+                  <a:lumMod val="65000"/>
+                </a:schemeClr>
+              </a:contourClr>
+            </a:sp3d>
+          </a:bodyPr>
+          <a:lstStyle/>
+          <a:p>
+            <a:pPr>
+              <a:defRPr/>
+            </a:pPr>
+            <a:r>
               <a:rPr lang="en-US" altLang="zh-CN" b="1" dirty="0" smtClean="0">
                 <a:ln/>
                 <a:solidFill>
@@ -8915,7 +10952,7 @@
               <a:t>和在线</a:t>
             </a:r>
             <a:r>
-              <a:rPr lang="en-US" altLang="zh-CN" b="1" dirty="0" smtClean="0">
+              <a:rPr lang="en-US" altLang="zh-CN" b="1" smtClean="0">
                 <a:ln/>
                 <a:solidFill>
                   <a:srgbClr val="4FD1FF"/>
@@ -8924,6 +10961,39 @@
                 <a:ea typeface="微软雅黑" panose="020B0503020204020204" pitchFamily="34" charset="-122"/>
               </a:rPr>
               <a:t>DDL</a:t>
+            </a:r>
+            <a:r>
+              <a:rPr lang="zh-CN" altLang="en-US" b="1" smtClean="0">
+                <a:ln/>
+                <a:solidFill>
+                  <a:srgbClr val="4FD1FF"/>
+                </a:solidFill>
+                <a:latin typeface="微软雅黑" panose="020B0503020204020204" pitchFamily="34" charset="-122"/>
+                <a:ea typeface="微软雅黑" panose="020B0503020204020204" pitchFamily="34" charset="-122"/>
+              </a:rPr>
+              <a:t>：</a:t>
+            </a:r>
+            <a:r>
+              <a:rPr lang="zh-CN" altLang="en-US" b="1" smtClean="0">
+                <a:ln/>
+                <a:solidFill>
+                  <a:srgbClr val="4FD1FF"/>
+                </a:solidFill>
+                <a:latin typeface="微软雅黑" panose="020B0503020204020204" pitchFamily="34" charset="-122"/>
+                <a:ea typeface="微软雅黑" panose="020B0503020204020204" pitchFamily="34" charset="-122"/>
+              </a:rPr>
+              <a:t>在双主库模式时，</a:t>
+            </a:r>
+            <a:r>
+              <a:rPr lang="zh-CN" altLang="en-US" b="1" smtClean="0">
+                <a:ln/>
+                <a:solidFill>
+                  <a:srgbClr val="4FD1FF"/>
+                </a:solidFill>
+                <a:latin typeface="微软雅黑" panose="020B0503020204020204" pitchFamily="34" charset="-122"/>
+                <a:ea typeface="微软雅黑" panose="020B0503020204020204" pitchFamily="34" charset="-122"/>
+              </a:rPr>
+              <a:t>先</a:t>
             </a:r>
             <a:r>
               <a:rPr lang="zh-CN" altLang="en-US" b="1" dirty="0" smtClean="0">
@@ -8934,18 +11004,7 @@
                 <a:latin typeface="微软雅黑" panose="020B0503020204020204" pitchFamily="34" charset="-122"/>
                 <a:ea typeface="微软雅黑" panose="020B0503020204020204" pitchFamily="34" charset="-122"/>
               </a:rPr>
-              <a:t>：</a:t>
-            </a:r>
-            <a:r>
-              <a:rPr lang="zh-CN" altLang="en-US" b="1" dirty="0" smtClean="0">
-                <a:ln/>
-                <a:solidFill>
-                  <a:srgbClr val="4FD1FF"/>
-                </a:solidFill>
-                <a:latin typeface="微软雅黑" panose="020B0503020204020204" pitchFamily="34" charset="-122"/>
-                <a:ea typeface="微软雅黑" panose="020B0503020204020204" pitchFamily="34" charset="-122"/>
-              </a:rPr>
-              <a:t>先在备库上执行</a:t>
+              <a:t>在备库上执行</a:t>
             </a:r>
             <a:r>
               <a:rPr lang="en-US" altLang="zh-CN" b="1" dirty="0" smtClean="0">
@@ -9332,10 +11391,6 @@
               </a:rPr>
               <a:t>stop slave</a:t>
             </a:r>
-            <a:endParaRPr lang="en-US" altLang="zh-CN" sz="1200" dirty="0" smtClean="0">
-              <a:latin typeface="微软雅黑" panose="020B0503020204020204" pitchFamily="34" charset="-122"/>
-              <a:ea typeface="微软雅黑" panose="020B0503020204020204" pitchFamily="34" charset="-122"/>
-            </a:endParaRPr>
           </a:p>
         </p:txBody>
       </p:sp>
@@ -9379,10 +11434,6 @@
               </a:rPr>
               <a:t>DDL</a:t>
             </a:r>
-            <a:endParaRPr lang="en-US" altLang="zh-CN" sz="1200" dirty="0" smtClean="0">
-              <a:latin typeface="微软雅黑" panose="020B0503020204020204" pitchFamily="34" charset="-122"/>
-              <a:ea typeface="微软雅黑" panose="020B0503020204020204" pitchFamily="34" charset="-122"/>
-            </a:endParaRPr>
           </a:p>
         </p:txBody>
       </p:sp>
